--- a/apresentacao/contextualizacao.pptx
+++ b/apresentacao/contextualizacao.pptx
@@ -5843,7 +5843,7 @@
         <p:spPr>
           <a:xfrm>
             <a:off x="4559610" y="1694378"/>
-            <a:ext cx="7055141" cy="5232202"/>
+            <a:ext cx="7055141" cy="3416320"/>
           </a:xfrm>
           <a:prstGeom prst="rect">
             <a:avLst/>
@@ -5883,72 +5883,10 @@
             </a:r>
           </a:p>
           <a:p>
-            <a:pPr marL="285750" indent="-285750">
-              <a:buFont typeface="Arial" panose="020B0604020202020204" pitchFamily="34" charset="0"/>
-              <a:buChar char="•"/>
-            </a:pPr>
-            <a:endParaRPr lang="pt-BR" dirty="0"/>
-          </a:p>
-          <a:p>
             <a:r>
               <a:rPr lang="pt-BR" dirty="0"/>
               <a:t>	</a:t>
             </a:r>
-            <a:r>
-              <a:rPr lang="pt-BR" sz="2800" dirty="0"/>
-              <a:t> </a:t>
-            </a:r>
-            <a:r>
-              <a:rPr lang="pt-BR" sz="2800" dirty="0">
-                <a:latin typeface="+mj-lt"/>
-              </a:rPr>
-              <a:t>Economia</a:t>
-            </a:r>
-            <a:r>
-              <a:rPr lang="pt-BR" sz="2800" dirty="0"/>
-              <a:t> </a:t>
-            </a:r>
-          </a:p>
-          <a:p>
-            <a:pPr marL="285750" indent="-285750">
-              <a:buFont typeface="Arial" panose="020B0604020202020204" pitchFamily="34" charset="0"/>
-              <a:buChar char="•"/>
-            </a:pPr>
-            <a:endParaRPr lang="pt-BR" dirty="0"/>
-          </a:p>
-          <a:p>
-            <a:pPr marL="285750" indent="-285750">
-              <a:buFont typeface="Arial" panose="020B0604020202020204" pitchFamily="34" charset="0"/>
-              <a:buChar char="•"/>
-            </a:pPr>
-            <a:r>
-              <a:rPr lang="pt-BR" dirty="0"/>
-              <a:t>Excesso de gasto com energia elétrica  </a:t>
-            </a:r>
-          </a:p>
-          <a:p>
-            <a:pPr marL="285750" indent="-285750">
-              <a:buFont typeface="Arial" panose="020B0604020202020204" pitchFamily="34" charset="0"/>
-              <a:buChar char="•"/>
-            </a:pPr>
-            <a:endParaRPr lang="pt-BR" dirty="0"/>
-          </a:p>
-          <a:p>
-            <a:pPr marL="285750" indent="-285750">
-              <a:buFont typeface="Arial" panose="020B0604020202020204" pitchFamily="34" charset="0"/>
-              <a:buChar char="•"/>
-            </a:pPr>
-            <a:r>
-              <a:rPr lang="pt-BR" dirty="0"/>
-              <a:t>Excesso de gasto com mão de obra</a:t>
-            </a:r>
-          </a:p>
-          <a:p>
-            <a:pPr marL="285750" indent="-285750">
-              <a:buFont typeface="Arial" panose="020B0604020202020204" pitchFamily="34" charset="0"/>
-              <a:buChar char="•"/>
-            </a:pPr>
-            <a:endParaRPr lang="pt-BR" dirty="0"/>
           </a:p>
           <a:p>
             <a:pPr marL="285750" indent="-285750">

--- a/apresentacao/contextualizacao.pptx
+++ b/apresentacao/contextualizacao.pptx
@@ -211,7 +211,7 @@
             <a:pPr rtl="0"/>
             <a:fld id="{81A56B8B-90F6-41EC-AC37-F033ED2A57FF}" type="datetime1">
               <a:rPr lang="pt-BR" smtClean="0"/>
-              <a:t>21/09/2020</a:t>
+              <a:t>22/09/2020</a:t>
             </a:fld>
             <a:endParaRPr lang="en-US" dirty="0"/>
           </a:p>
@@ -381,7 +381,7 @@
             <a:pPr rtl="0"/>
             <a:fld id="{CBA983AA-2481-4371-917C-6457CA055053}" type="datetime1">
               <a:rPr lang="pt-BR" smtClean="0"/>
-              <a:t>21/09/2020</a:t>
+              <a:t>22/09/2020</a:t>
             </a:fld>
             <a:endParaRPr lang="en-US"/>
           </a:p>
@@ -1126,7 +1126,7 @@
             <a:pPr rtl="0"/>
             <a:fld id="{A97FF641-F313-4AD0-BA92-8145B9101A50}" type="datetime1">
               <a:rPr lang="pt-BR" smtClean="0"/>
-              <a:t>21/09/2020</a:t>
+              <a:t>22/09/2020</a:t>
             </a:fld>
             <a:endParaRPr lang="en-US" dirty="0"/>
           </a:p>
@@ -1332,7 +1332,7 @@
             <a:pPr rtl="0"/>
             <a:fld id="{9D288EE4-F830-4159-BFF9-E721BA7AE0AB}" type="datetime1">
               <a:rPr lang="pt-BR" smtClean="0"/>
-              <a:t>21/09/2020</a:t>
+              <a:t>22/09/2020</a:t>
             </a:fld>
             <a:endParaRPr lang="en-US"/>
           </a:p>
@@ -1516,7 +1516,7 @@
             <a:pPr rtl="0"/>
             <a:fld id="{006B8899-C6DA-43D3-8986-CFC20CD4B104}" type="datetime1">
               <a:rPr lang="pt-BR" smtClean="0"/>
-              <a:t>21/09/2020</a:t>
+              <a:t>22/09/2020</a:t>
             </a:fld>
             <a:endParaRPr lang="en-US"/>
           </a:p>
@@ -1690,7 +1690,7 @@
             <a:pPr rtl="0"/>
             <a:fld id="{B6E62EC5-0DC6-4A78-BB05-D67BCA50AA36}" type="datetime1">
               <a:rPr lang="pt-BR" smtClean="0"/>
-              <a:t>21/09/2020</a:t>
+              <a:t>22/09/2020</a:t>
             </a:fld>
             <a:endParaRPr lang="en-US"/>
           </a:p>
@@ -2293,7 +2293,7 @@
             <a:pPr rtl="0"/>
             <a:fld id="{0D1A4693-2F41-43D3-BCDB-D5059F2986DB}" type="datetime1">
               <a:rPr lang="pt-BR" smtClean="0"/>
-              <a:t>21/09/2020</a:t>
+              <a:t>22/09/2020</a:t>
             </a:fld>
             <a:endParaRPr lang="en-US" dirty="0"/>
           </a:p>
@@ -2617,7 +2617,7 @@
             <a:pPr rtl="0"/>
             <a:fld id="{5BBB8AB2-DE16-44F3-8F59-40B18FC602F6}" type="datetime1">
               <a:rPr lang="pt-BR" smtClean="0"/>
-              <a:t>21/09/2020</a:t>
+              <a:t>22/09/2020</a:t>
             </a:fld>
             <a:endParaRPr lang="en-US"/>
           </a:p>
@@ -3058,7 +3058,7 @@
             <a:pPr rtl="0"/>
             <a:fld id="{5ACA5D35-0539-48FA-A753-0871E1ECAF0D}" type="datetime1">
               <a:rPr lang="pt-BR" smtClean="0"/>
-              <a:t>21/09/2020</a:t>
+              <a:t>22/09/2020</a:t>
             </a:fld>
             <a:endParaRPr lang="en-US"/>
           </a:p>
@@ -3180,7 +3180,7 @@
             <a:pPr rtl="0"/>
             <a:fld id="{5BA371F0-AB78-4B7A-B042-3B5D124F9CC4}" type="datetime1">
               <a:rPr lang="pt-BR" smtClean="0"/>
-              <a:t>21/09/2020</a:t>
+              <a:t>22/09/2020</a:t>
             </a:fld>
             <a:endParaRPr lang="en-US"/>
           </a:p>
@@ -3278,7 +3278,7 @@
             <a:pPr rtl="0"/>
             <a:fld id="{C3E59013-4240-4BCB-9D6D-0402FB62C003}" type="datetime1">
               <a:rPr lang="pt-BR" smtClean="0"/>
-              <a:t>21/09/2020</a:t>
+              <a:t>22/09/2020</a:t>
             </a:fld>
             <a:endParaRPr lang="en-US"/>
           </a:p>
@@ -3699,7 +3699,7 @@
             <a:pPr rtl="0"/>
             <a:fld id="{590243F5-F020-403B-84E8-3610E6C6CB4F}" type="datetime1">
               <a:rPr lang="pt-BR" smtClean="0"/>
-              <a:t>21/09/2020</a:t>
+              <a:t>22/09/2020</a:t>
             </a:fld>
             <a:endParaRPr lang="en-US"/>
           </a:p>
@@ -3964,7 +3964,7 @@
             <a:pPr rtl="0"/>
             <a:fld id="{5D7AD476-FCE1-4F4C-AFD1-546A99681531}" type="datetime1">
               <a:rPr lang="pt-BR" smtClean="0"/>
-              <a:t>21/09/2020</a:t>
+              <a:t>22/09/2020</a:t>
             </a:fld>
             <a:endParaRPr lang="en-US" dirty="0"/>
           </a:p>
@@ -4484,7 +4484,7 @@
             <a:pPr rtl="0"/>
             <a:fld id="{2643713A-F4DD-4FBD-9DD6-C5B4A339B115}" type="datetime1">
               <a:rPr lang="pt-BR" smtClean="0"/>
-              <a:t>21/09/2020</a:t>
+              <a:t>22/09/2020</a:t>
             </a:fld>
             <a:endParaRPr lang="en-US" dirty="0"/>
           </a:p>
@@ -5843,7 +5843,7 @@
         <p:spPr>
           <a:xfrm>
             <a:off x="4559610" y="1694378"/>
-            <a:ext cx="7055141" cy="3416320"/>
+            <a:ext cx="7055141" cy="2862322"/>
           </a:xfrm>
           <a:prstGeom prst="rect">
             <a:avLst/>
@@ -5895,7 +5895,7 @@
             </a:pPr>
             <a:r>
               <a:rPr lang="pt-BR" dirty="0"/>
-              <a:t>Os custos de desenvolvimento de medicamentos fitoterápicos são, em média, 10 vezes mais baratos que os medicamentos tradicionais</a:t>
+              <a:t>Fitoterápicos e custos  </a:t>
             </a:r>
           </a:p>
           <a:p>
@@ -6851,7 +6851,7 @@
         <p:spPr>
           <a:xfrm>
             <a:off x="4521666" y="1652631"/>
-            <a:ext cx="7235593" cy="2862322"/>
+            <a:ext cx="7235593" cy="2031325"/>
           </a:xfrm>
           <a:prstGeom prst="rect">
             <a:avLst/>
@@ -6870,7 +6870,7 @@
             </a:pPr>
             <a:r>
               <a:rPr lang="pt-BR" dirty="0"/>
-              <a:t>o mercado mundial de medicamentos à base de plantas é avaliado em pouco mais de US$ 130 bilhões</a:t>
+              <a:t>o mercado mundial</a:t>
             </a:r>
           </a:p>
           <a:p>
@@ -6904,11 +6904,8 @@
             </a:pPr>
             <a:r>
               <a:rPr lang="pt-BR" dirty="0"/>
-              <a:t>O mercado brasileiro hoje movimenta hoje em média 700 milhões a 1 bilhão de reais com aumento de 20% ao ano </a:t>
-            </a:r>
-          </a:p>
-          <a:p>
-            <a:endParaRPr lang="pt-BR" dirty="0"/>
+              <a:t>O mercado brasileiro</a:t>
+            </a:r>
           </a:p>
           <a:p>
             <a:endParaRPr lang="pt-BR" dirty="0"/>

--- a/apresentacao/contextualizacao.pptx
+++ b/apresentacao/contextualizacao.pptx
@@ -5,10 +5,10 @@
     <p:sldMasterId id="2147483673" r:id="rId1"/>
   </p:sldMasterIdLst>
   <p:notesMasterIdLst>
-    <p:notesMasterId r:id="rId9"/>
+    <p:notesMasterId r:id="rId11"/>
   </p:notesMasterIdLst>
   <p:handoutMasterIdLst>
-    <p:handoutMasterId r:id="rId10"/>
+    <p:handoutMasterId r:id="rId12"/>
   </p:handoutMasterIdLst>
   <p:sldIdLst>
     <p:sldId id="257" r:id="rId2"/>
@@ -18,6 +18,8 @@
     <p:sldId id="260" r:id="rId6"/>
     <p:sldId id="261" r:id="rId7"/>
     <p:sldId id="262" r:id="rId8"/>
+    <p:sldId id="265" r:id="rId9"/>
+    <p:sldId id="266" r:id="rId10"/>
   </p:sldIdLst>
   <p:sldSz cx="12192000" cy="6858000"/>
   <p:notesSz cx="6858000" cy="9144000"/>
@@ -211,7 +213,7 @@
             <a:pPr rtl="0"/>
             <a:fld id="{81A56B8B-90F6-41EC-AC37-F033ED2A57FF}" type="datetime1">
               <a:rPr lang="pt-BR" smtClean="0"/>
-              <a:t>22/09/2020</a:t>
+              <a:t>23/09/2020</a:t>
             </a:fld>
             <a:endParaRPr lang="en-US" dirty="0"/>
           </a:p>
@@ -381,7 +383,7 @@
             <a:pPr rtl="0"/>
             <a:fld id="{CBA983AA-2481-4371-917C-6457CA055053}" type="datetime1">
               <a:rPr lang="pt-BR" smtClean="0"/>
-              <a:t>22/09/2020</a:t>
+              <a:t>23/09/2020</a:t>
             </a:fld>
             <a:endParaRPr lang="en-US"/>
           </a:p>
@@ -1126,7 +1128,7 @@
             <a:pPr rtl="0"/>
             <a:fld id="{A97FF641-F313-4AD0-BA92-8145B9101A50}" type="datetime1">
               <a:rPr lang="pt-BR" smtClean="0"/>
-              <a:t>22/09/2020</a:t>
+              <a:t>23/09/2020</a:t>
             </a:fld>
             <a:endParaRPr lang="en-US" dirty="0"/>
           </a:p>
@@ -1332,7 +1334,7 @@
             <a:pPr rtl="0"/>
             <a:fld id="{9D288EE4-F830-4159-BFF9-E721BA7AE0AB}" type="datetime1">
               <a:rPr lang="pt-BR" smtClean="0"/>
-              <a:t>22/09/2020</a:t>
+              <a:t>23/09/2020</a:t>
             </a:fld>
             <a:endParaRPr lang="en-US"/>
           </a:p>
@@ -1516,7 +1518,7 @@
             <a:pPr rtl="0"/>
             <a:fld id="{006B8899-C6DA-43D3-8986-CFC20CD4B104}" type="datetime1">
               <a:rPr lang="pt-BR" smtClean="0"/>
-              <a:t>22/09/2020</a:t>
+              <a:t>23/09/2020</a:t>
             </a:fld>
             <a:endParaRPr lang="en-US"/>
           </a:p>
@@ -1690,7 +1692,7 @@
             <a:pPr rtl="0"/>
             <a:fld id="{B6E62EC5-0DC6-4A78-BB05-D67BCA50AA36}" type="datetime1">
               <a:rPr lang="pt-BR" smtClean="0"/>
-              <a:t>22/09/2020</a:t>
+              <a:t>23/09/2020</a:t>
             </a:fld>
             <a:endParaRPr lang="en-US"/>
           </a:p>
@@ -2293,7 +2295,7 @@
             <a:pPr rtl="0"/>
             <a:fld id="{0D1A4693-2F41-43D3-BCDB-D5059F2986DB}" type="datetime1">
               <a:rPr lang="pt-BR" smtClean="0"/>
-              <a:t>22/09/2020</a:t>
+              <a:t>23/09/2020</a:t>
             </a:fld>
             <a:endParaRPr lang="en-US" dirty="0"/>
           </a:p>
@@ -2617,7 +2619,7 @@
             <a:pPr rtl="0"/>
             <a:fld id="{5BBB8AB2-DE16-44F3-8F59-40B18FC602F6}" type="datetime1">
               <a:rPr lang="pt-BR" smtClean="0"/>
-              <a:t>22/09/2020</a:t>
+              <a:t>23/09/2020</a:t>
             </a:fld>
             <a:endParaRPr lang="en-US"/>
           </a:p>
@@ -3058,7 +3060,7 @@
             <a:pPr rtl="0"/>
             <a:fld id="{5ACA5D35-0539-48FA-A753-0871E1ECAF0D}" type="datetime1">
               <a:rPr lang="pt-BR" smtClean="0"/>
-              <a:t>22/09/2020</a:t>
+              <a:t>23/09/2020</a:t>
             </a:fld>
             <a:endParaRPr lang="en-US"/>
           </a:p>
@@ -3180,7 +3182,7 @@
             <a:pPr rtl="0"/>
             <a:fld id="{5BA371F0-AB78-4B7A-B042-3B5D124F9CC4}" type="datetime1">
               <a:rPr lang="pt-BR" smtClean="0"/>
-              <a:t>22/09/2020</a:t>
+              <a:t>23/09/2020</a:t>
             </a:fld>
             <a:endParaRPr lang="en-US"/>
           </a:p>
@@ -3278,7 +3280,7 @@
             <a:pPr rtl="0"/>
             <a:fld id="{C3E59013-4240-4BCB-9D6D-0402FB62C003}" type="datetime1">
               <a:rPr lang="pt-BR" smtClean="0"/>
-              <a:t>22/09/2020</a:t>
+              <a:t>23/09/2020</a:t>
             </a:fld>
             <a:endParaRPr lang="en-US"/>
           </a:p>
@@ -3699,7 +3701,7 @@
             <a:pPr rtl="0"/>
             <a:fld id="{590243F5-F020-403B-84E8-3610E6C6CB4F}" type="datetime1">
               <a:rPr lang="pt-BR" smtClean="0"/>
-              <a:t>22/09/2020</a:t>
+              <a:t>23/09/2020</a:t>
             </a:fld>
             <a:endParaRPr lang="en-US"/>
           </a:p>
@@ -3964,7 +3966,7 @@
             <a:pPr rtl="0"/>
             <a:fld id="{5D7AD476-FCE1-4F4C-AFD1-546A99681531}" type="datetime1">
               <a:rPr lang="pt-BR" smtClean="0"/>
-              <a:t>22/09/2020</a:t>
+              <a:t>23/09/2020</a:t>
             </a:fld>
             <a:endParaRPr lang="en-US" dirty="0"/>
           </a:p>
@@ -4484,7 +4486,7 @@
             <a:pPr rtl="0"/>
             <a:fld id="{2643713A-F4DD-4FBD-9DD6-C5B4A339B115}" type="datetime1">
               <a:rPr lang="pt-BR" smtClean="0"/>
-              <a:t>22/09/2020</a:t>
+              <a:t>23/09/2020</a:t>
             </a:fld>
             <a:endParaRPr lang="en-US" dirty="0"/>
           </a:p>
@@ -7252,6 +7254,521 @@
     <p:extLst>
       <p:ext uri="{BB962C8B-B14F-4D97-AF65-F5344CB8AC3E}">
         <p14:creationId xmlns:p14="http://schemas.microsoft.com/office/powerpoint/2010/main" val="2417322938"/>
+      </p:ext>
+    </p:extLst>
+  </p:cSld>
+  <p:clrMapOvr>
+    <a:overrideClrMapping bg1="lt1" tx1="dk1" bg2="lt2" tx2="dk2" accent1="accent1" accent2="accent2" accent3="accent3" accent4="accent4" accent5="accent5" accent6="accent6" hlink="hlink" folHlink="folHlink"/>
+  </p:clrMapOvr>
+  <mc:AlternateContent xmlns:mc="http://schemas.openxmlformats.org/markup-compatibility/2006" xmlns:p15="http://schemas.microsoft.com/office/powerpoint/2012/main">
+    <mc:Choice Requires="p15">
+      <p:transition spd="slow">
+        <p15:prstTrans prst="fallOver"/>
+      </p:transition>
+    </mc:Choice>
+    <mc:Fallback xmlns="">
+      <p:transition spd="slow">
+        <p:fade/>
+      </p:transition>
+    </mc:Fallback>
+  </mc:AlternateContent>
+</p:sld>
+</file>
+
+<file path=ppt/slides/slide8.xml><?xml version="1.0" encoding="utf-8"?>
+<p:sld xmlns:a="http://schemas.openxmlformats.org/drawingml/2006/main" xmlns:r="http://schemas.openxmlformats.org/officeDocument/2006/relationships" xmlns:p="http://schemas.openxmlformats.org/presentationml/2006/main">
+  <p:cSld>
+    <p:bg>
+      <p:bgPr>
+        <a:solidFill>
+          <a:schemeClr val="bg1"/>
+        </a:solidFill>
+        <a:effectLst/>
+      </p:bgPr>
+    </p:bg>
+    <p:spTree>
+      <p:nvGrpSpPr>
+        <p:cNvPr id="1" name=""/>
+        <p:cNvGrpSpPr/>
+        <p:nvPr/>
+      </p:nvGrpSpPr>
+      <p:grpSpPr>
+        <a:xfrm>
+          <a:off x="0" y="0"/>
+          <a:ext cx="0" cy="0"/>
+          <a:chOff x="0" y="0"/>
+          <a:chExt cx="0" cy="0"/>
+        </a:xfrm>
+      </p:grpSpPr>
+      <p:pic>
+        <p:nvPicPr>
+          <p:cNvPr id="4" name="Imagem 3" descr="Uma imagem contendo malha, mesa, vermelha, coberta&#10;&#10;Descrição gerada automaticamente">
+            <a:extLst>
+              <a:ext uri="{FF2B5EF4-FFF2-40B4-BE49-F238E27FC236}">
+                <a16:creationId xmlns:a16="http://schemas.microsoft.com/office/drawing/2014/main" id="{5C002EE5-E4FF-463C-8DAA-9AC0B6D407FF}"/>
+              </a:ext>
+            </a:extLst>
+          </p:cNvPr>
+          <p:cNvPicPr>
+            <a:picLocks noChangeAspect="1"/>
+          </p:cNvPicPr>
+          <p:nvPr/>
+        </p:nvPicPr>
+        <p:blipFill rotWithShape="1">
+          <a:blip r:embed="rId2">
+            <a:extLst>
+              <a:ext uri="{28A0092B-C50C-407E-A947-70E740481C1C}">
+                <a14:useLocalDpi xmlns:a14="http://schemas.microsoft.com/office/drawing/2010/main" val="0"/>
+              </a:ext>
+            </a:extLst>
+          </a:blip>
+          <a:srcRect/>
+          <a:stretch/>
+        </p:blipFill>
+        <p:spPr>
+          <a:xfrm>
+            <a:off x="21" y="0"/>
+            <a:ext cx="12191979" cy="6857990"/>
+          </a:xfrm>
+          <a:prstGeom prst="rect">
+            <a:avLst/>
+          </a:prstGeom>
+        </p:spPr>
+      </p:pic>
+      <p:sp>
+        <p:nvSpPr>
+          <p:cNvPr id="29" name="Retângulo 22">
+            <a:extLst>
+              <a:ext uri="{FF2B5EF4-FFF2-40B4-BE49-F238E27FC236}">
+                <a16:creationId xmlns:a16="http://schemas.microsoft.com/office/drawing/2014/main" id="{F5380E9A-163E-4576-BCDD-0A450B7E9097}"/>
+              </a:ext>
+              <a:ext uri="{C183D7F6-B498-43B3-948B-1728B52AA6E4}">
+                <adec:decorative xmlns:adec="http://schemas.microsoft.com/office/drawing/2017/decorative" val="1"/>
+              </a:ext>
+            </a:extLst>
+          </p:cNvPr>
+          <p:cNvSpPr>
+            <a:spLocks noGrp="1" noRot="1" noChangeAspect="1" noMove="1" noResize="1" noEditPoints="1" noAdjustHandles="1" noChangeArrowheads="1" noChangeShapeType="1" noTextEdit="1"/>
+          </p:cNvSpPr>
+          <p:nvPr>
+            <p:extLst>
+              <p:ext uri="{386F3935-93C4-4BCD-93E2-E3B085C9AB24}">
+                <p16:designElem xmlns:p16="http://schemas.microsoft.com/office/powerpoint/2015/main" val="1"/>
+              </p:ext>
+            </p:extLst>
+          </p:nvPr>
+        </p:nvSpPr>
+        <p:spPr>
+          <a:xfrm>
+            <a:off x="4279943" y="237744"/>
+            <a:ext cx="7652977" cy="6382512"/>
+          </a:xfrm>
+          <a:prstGeom prst="rect">
+            <a:avLst/>
+          </a:prstGeom>
+          <a:solidFill>
+            <a:schemeClr val="bg1">
+              <a:alpha val="94000"/>
+            </a:schemeClr>
+          </a:solidFill>
+          <a:ln>
+            <a:noFill/>
+          </a:ln>
+        </p:spPr>
+        <p:style>
+          <a:lnRef idx="2">
+            <a:schemeClr val="accent1">
+              <a:shade val="50000"/>
+            </a:schemeClr>
+          </a:lnRef>
+          <a:fillRef idx="1">
+            <a:schemeClr val="accent1"/>
+          </a:fillRef>
+          <a:effectRef idx="0">
+            <a:schemeClr val="accent1"/>
+          </a:effectRef>
+          <a:fontRef idx="minor">
+            <a:schemeClr val="lt1"/>
+          </a:fontRef>
+        </p:style>
+      </p:sp>
+      <p:sp>
+        <p:nvSpPr>
+          <p:cNvPr id="30" name="Retângulo 24">
+            <a:extLst>
+              <a:ext uri="{FF2B5EF4-FFF2-40B4-BE49-F238E27FC236}">
+                <a16:creationId xmlns:a16="http://schemas.microsoft.com/office/drawing/2014/main" id="{88DDEF77-9746-4D83-91F9-442A2487E666}"/>
+              </a:ext>
+              <a:ext uri="{C183D7F6-B498-43B3-948B-1728B52AA6E4}">
+                <adec:decorative xmlns:adec="http://schemas.microsoft.com/office/drawing/2017/decorative" val="1"/>
+              </a:ext>
+            </a:extLst>
+          </p:cNvPr>
+          <p:cNvSpPr>
+            <a:spLocks noGrp="1" noRot="1" noChangeAspect="1" noMove="1" noResize="1" noEditPoints="1" noAdjustHandles="1" noChangeArrowheads="1" noChangeShapeType="1" noTextEdit="1"/>
+          </p:cNvSpPr>
+          <p:nvPr>
+            <p:extLst>
+              <p:ext uri="{386F3935-93C4-4BCD-93E2-E3B085C9AB24}">
+                <p16:designElem xmlns:p16="http://schemas.microsoft.com/office/powerpoint/2015/main" val="1"/>
+              </p:ext>
+            </p:extLst>
+          </p:nvPr>
+        </p:nvSpPr>
+        <p:spPr>
+          <a:xfrm>
+            <a:off x="4417103" y="374904"/>
+            <a:ext cx="7340156" cy="6108192"/>
+          </a:xfrm>
+          <a:prstGeom prst="rect">
+            <a:avLst/>
+          </a:prstGeom>
+          <a:noFill/>
+          <a:ln w="6350" cap="sq">
+            <a:solidFill>
+              <a:schemeClr val="tx1">
+                <a:lumMod val="65000"/>
+                <a:lumOff val="35000"/>
+              </a:schemeClr>
+            </a:solidFill>
+            <a:miter lim="800000"/>
+          </a:ln>
+        </p:spPr>
+        <p:style>
+          <a:lnRef idx="2">
+            <a:schemeClr val="accent1">
+              <a:shade val="50000"/>
+            </a:schemeClr>
+          </a:lnRef>
+          <a:fillRef idx="1">
+            <a:schemeClr val="accent1"/>
+          </a:fillRef>
+          <a:effectRef idx="0">
+            <a:schemeClr val="accent1"/>
+          </a:effectRef>
+          <a:fontRef idx="minor">
+            <a:schemeClr val="lt1"/>
+          </a:fontRef>
+        </p:style>
+      </p:sp>
+      <p:sp>
+        <p:nvSpPr>
+          <p:cNvPr id="2" name="Título 1">
+            <a:extLst>
+              <a:ext uri="{FF2B5EF4-FFF2-40B4-BE49-F238E27FC236}">
+                <a16:creationId xmlns:a16="http://schemas.microsoft.com/office/drawing/2014/main" id="{92C9295F-E638-4F61-AFE2-CF3E40556031}"/>
+              </a:ext>
+            </a:extLst>
+          </p:cNvPr>
+          <p:cNvSpPr>
+            <a:spLocks noGrp="1"/>
+          </p:cNvSpPr>
+          <p:nvPr>
+            <p:ph type="title"/>
+          </p:nvPr>
+        </p:nvSpPr>
+        <p:spPr>
+          <a:xfrm>
+            <a:off x="4455534" y="1760515"/>
+            <a:ext cx="6718433" cy="2534648"/>
+          </a:xfrm>
+        </p:spPr>
+        <p:txBody>
+          <a:bodyPr rtlCol="0">
+            <a:noAutofit/>
+          </a:bodyPr>
+          <a:lstStyle/>
+          <a:p>
+            <a:pPr rtl="0"/>
+            <a:r>
+              <a:rPr lang="pt-BR" sz="8000" dirty="0">
+                <a:solidFill>
+                  <a:schemeClr val="tx1">
+                    <a:lumMod val="75000"/>
+                    <a:lumOff val="25000"/>
+                  </a:schemeClr>
+                </a:solidFill>
+              </a:rPr>
+              <a:t>Desafio do projeto</a:t>
+            </a:r>
+            <a:endParaRPr lang="en-US" sz="8000" dirty="0">
+              <a:solidFill>
+                <a:schemeClr val="tx1">
+                  <a:lumMod val="75000"/>
+                  <a:lumOff val="25000"/>
+                </a:schemeClr>
+              </a:solidFill>
+            </a:endParaRPr>
+          </a:p>
+        </p:txBody>
+      </p:sp>
+    </p:spTree>
+    <p:extLst>
+      <p:ext uri="{BB962C8B-B14F-4D97-AF65-F5344CB8AC3E}">
+        <p14:creationId xmlns:p14="http://schemas.microsoft.com/office/powerpoint/2010/main" val="2268374304"/>
+      </p:ext>
+    </p:extLst>
+  </p:cSld>
+  <p:clrMapOvr>
+    <a:overrideClrMapping bg1="lt1" tx1="dk1" bg2="lt2" tx2="dk2" accent1="accent1" accent2="accent2" accent3="accent3" accent4="accent4" accent5="accent5" accent6="accent6" hlink="hlink" folHlink="folHlink"/>
+  </p:clrMapOvr>
+  <mc:AlternateContent xmlns:mc="http://schemas.openxmlformats.org/markup-compatibility/2006" xmlns:p15="http://schemas.microsoft.com/office/powerpoint/2012/main">
+    <mc:Choice Requires="p15">
+      <p:transition spd="slow">
+        <p15:prstTrans prst="fallOver"/>
+      </p:transition>
+    </mc:Choice>
+    <mc:Fallback xmlns="">
+      <p:transition spd="slow">
+        <p:fade/>
+      </p:transition>
+    </mc:Fallback>
+  </mc:AlternateContent>
+</p:sld>
+</file>
+
+<file path=ppt/slides/slide9.xml><?xml version="1.0" encoding="utf-8"?>
+<p:sld xmlns:a="http://schemas.openxmlformats.org/drawingml/2006/main" xmlns:r="http://schemas.openxmlformats.org/officeDocument/2006/relationships" xmlns:p="http://schemas.openxmlformats.org/presentationml/2006/main">
+  <p:cSld>
+    <p:bg>
+      <p:bgPr>
+        <a:solidFill>
+          <a:schemeClr val="bg1"/>
+        </a:solidFill>
+        <a:effectLst/>
+      </p:bgPr>
+    </p:bg>
+    <p:spTree>
+      <p:nvGrpSpPr>
+        <p:cNvPr id="1" name=""/>
+        <p:cNvGrpSpPr/>
+        <p:nvPr/>
+      </p:nvGrpSpPr>
+      <p:grpSpPr>
+        <a:xfrm>
+          <a:off x="0" y="0"/>
+          <a:ext cx="0" cy="0"/>
+          <a:chOff x="0" y="0"/>
+          <a:chExt cx="0" cy="0"/>
+        </a:xfrm>
+      </p:grpSpPr>
+      <p:pic>
+        <p:nvPicPr>
+          <p:cNvPr id="4" name="Imagem 3" descr="Uma imagem contendo malha, mesa, vermelha, coberta&#10;&#10;Descrição gerada automaticamente">
+            <a:extLst>
+              <a:ext uri="{FF2B5EF4-FFF2-40B4-BE49-F238E27FC236}">
+                <a16:creationId xmlns:a16="http://schemas.microsoft.com/office/drawing/2014/main" id="{5C002EE5-E4FF-463C-8DAA-9AC0B6D407FF}"/>
+              </a:ext>
+            </a:extLst>
+          </p:cNvPr>
+          <p:cNvPicPr>
+            <a:picLocks noChangeAspect="1"/>
+          </p:cNvPicPr>
+          <p:nvPr/>
+        </p:nvPicPr>
+        <p:blipFill rotWithShape="1">
+          <a:blip r:embed="rId2">
+            <a:extLst>
+              <a:ext uri="{28A0092B-C50C-407E-A947-70E740481C1C}">
+                <a14:useLocalDpi xmlns:a14="http://schemas.microsoft.com/office/drawing/2010/main" val="0"/>
+              </a:ext>
+            </a:extLst>
+          </a:blip>
+          <a:srcRect/>
+          <a:stretch/>
+        </p:blipFill>
+        <p:spPr>
+          <a:xfrm>
+            <a:off x="-259059" y="237744"/>
+            <a:ext cx="12191979" cy="6857990"/>
+          </a:xfrm>
+          <a:prstGeom prst="rect">
+            <a:avLst/>
+          </a:prstGeom>
+        </p:spPr>
+      </p:pic>
+      <p:sp>
+        <p:nvSpPr>
+          <p:cNvPr id="29" name="Retângulo 22">
+            <a:extLst>
+              <a:ext uri="{FF2B5EF4-FFF2-40B4-BE49-F238E27FC236}">
+                <a16:creationId xmlns:a16="http://schemas.microsoft.com/office/drawing/2014/main" id="{F5380E9A-163E-4576-BCDD-0A450B7E9097}"/>
+              </a:ext>
+              <a:ext uri="{C183D7F6-B498-43B3-948B-1728B52AA6E4}">
+                <adec:decorative xmlns:adec="http://schemas.microsoft.com/office/drawing/2017/decorative" val="1"/>
+              </a:ext>
+            </a:extLst>
+          </p:cNvPr>
+          <p:cNvSpPr>
+            <a:spLocks noGrp="1" noRot="1" noChangeAspect="1" noMove="1" noResize="1" noEditPoints="1" noAdjustHandles="1" noChangeArrowheads="1" noChangeShapeType="1" noTextEdit="1"/>
+          </p:cNvSpPr>
+          <p:nvPr>
+            <p:extLst>
+              <p:ext uri="{386F3935-93C4-4BCD-93E2-E3B085C9AB24}">
+                <p16:designElem xmlns:p16="http://schemas.microsoft.com/office/powerpoint/2015/main" val="1"/>
+              </p:ext>
+            </p:extLst>
+          </p:nvPr>
+        </p:nvSpPr>
+        <p:spPr>
+          <a:xfrm>
+            <a:off x="4279943" y="237744"/>
+            <a:ext cx="7652977" cy="6382512"/>
+          </a:xfrm>
+          <a:prstGeom prst="rect">
+            <a:avLst/>
+          </a:prstGeom>
+          <a:solidFill>
+            <a:schemeClr val="bg1">
+              <a:alpha val="94000"/>
+            </a:schemeClr>
+          </a:solidFill>
+          <a:ln>
+            <a:noFill/>
+          </a:ln>
+        </p:spPr>
+        <p:style>
+          <a:lnRef idx="2">
+            <a:schemeClr val="accent1">
+              <a:shade val="50000"/>
+            </a:schemeClr>
+          </a:lnRef>
+          <a:fillRef idx="1">
+            <a:schemeClr val="accent1"/>
+          </a:fillRef>
+          <a:effectRef idx="0">
+            <a:schemeClr val="accent1"/>
+          </a:effectRef>
+          <a:fontRef idx="minor">
+            <a:schemeClr val="lt1"/>
+          </a:fontRef>
+        </p:style>
+      </p:sp>
+      <p:sp>
+        <p:nvSpPr>
+          <p:cNvPr id="30" name="Retângulo 24">
+            <a:extLst>
+              <a:ext uri="{FF2B5EF4-FFF2-40B4-BE49-F238E27FC236}">
+                <a16:creationId xmlns:a16="http://schemas.microsoft.com/office/drawing/2014/main" id="{88DDEF77-9746-4D83-91F9-442A2487E666}"/>
+              </a:ext>
+              <a:ext uri="{C183D7F6-B498-43B3-948B-1728B52AA6E4}">
+                <adec:decorative xmlns:adec="http://schemas.microsoft.com/office/drawing/2017/decorative" val="1"/>
+              </a:ext>
+            </a:extLst>
+          </p:cNvPr>
+          <p:cNvSpPr>
+            <a:spLocks noGrp="1" noRot="1" noChangeAspect="1" noMove="1" noResize="1" noEditPoints="1" noAdjustHandles="1" noChangeArrowheads="1" noChangeShapeType="1" noTextEdit="1"/>
+          </p:cNvSpPr>
+          <p:nvPr>
+            <p:extLst>
+              <p:ext uri="{386F3935-93C4-4BCD-93E2-E3B085C9AB24}">
+                <p16:designElem xmlns:p16="http://schemas.microsoft.com/office/powerpoint/2015/main" val="1"/>
+              </p:ext>
+            </p:extLst>
+          </p:nvPr>
+        </p:nvSpPr>
+        <p:spPr>
+          <a:xfrm>
+            <a:off x="4417103" y="374904"/>
+            <a:ext cx="7340156" cy="6108192"/>
+          </a:xfrm>
+          <a:prstGeom prst="rect">
+            <a:avLst/>
+          </a:prstGeom>
+          <a:noFill/>
+          <a:ln w="6350" cap="sq">
+            <a:solidFill>
+              <a:schemeClr val="tx1">
+                <a:lumMod val="65000"/>
+                <a:lumOff val="35000"/>
+              </a:schemeClr>
+            </a:solidFill>
+            <a:miter lim="800000"/>
+          </a:ln>
+        </p:spPr>
+        <p:style>
+          <a:lnRef idx="2">
+            <a:schemeClr val="accent1">
+              <a:shade val="50000"/>
+            </a:schemeClr>
+          </a:lnRef>
+          <a:fillRef idx="1">
+            <a:schemeClr val="accent1"/>
+          </a:fillRef>
+          <a:effectRef idx="0">
+            <a:schemeClr val="accent1"/>
+          </a:effectRef>
+          <a:fontRef idx="minor">
+            <a:schemeClr val="lt1"/>
+          </a:fontRef>
+        </p:style>
+      </p:sp>
+      <p:sp>
+        <p:nvSpPr>
+          <p:cNvPr id="2" name="Título 1">
+            <a:extLst>
+              <a:ext uri="{FF2B5EF4-FFF2-40B4-BE49-F238E27FC236}">
+                <a16:creationId xmlns:a16="http://schemas.microsoft.com/office/drawing/2014/main" id="{92C9295F-E638-4F61-AFE2-CF3E40556031}"/>
+              </a:ext>
+            </a:extLst>
+          </p:cNvPr>
+          <p:cNvSpPr>
+            <a:spLocks noGrp="1"/>
+          </p:cNvSpPr>
+          <p:nvPr>
+            <p:ph type="title"/>
+          </p:nvPr>
+        </p:nvSpPr>
+        <p:spPr>
+          <a:xfrm>
+            <a:off x="4417103" y="2212093"/>
+            <a:ext cx="6718433" cy="937803"/>
+          </a:xfrm>
+        </p:spPr>
+        <p:txBody>
+          <a:bodyPr rtlCol="0">
+            <a:normAutofit fontScale="90000"/>
+          </a:bodyPr>
+          <a:lstStyle/>
+          <a:p>
+            <a:pPr rtl="0"/>
+            <a:r>
+              <a:rPr lang="pt-BR" sz="8800" dirty="0">
+                <a:solidFill>
+                  <a:schemeClr val="tx1">
+                    <a:lumMod val="75000"/>
+                    <a:lumOff val="25000"/>
+                  </a:schemeClr>
+                </a:solidFill>
+              </a:rPr>
+              <a:t>Solução</a:t>
+            </a:r>
+            <a:r>
+              <a:rPr lang="pt-BR" dirty="0">
+                <a:solidFill>
+                  <a:schemeClr val="tx1">
+                    <a:lumMod val="75000"/>
+                    <a:lumOff val="25000"/>
+                  </a:schemeClr>
+                </a:solidFill>
+              </a:rPr>
+              <a:t> </a:t>
+            </a:r>
+            <a:endParaRPr lang="en-US" dirty="0">
+              <a:solidFill>
+                <a:schemeClr val="tx1">
+                  <a:lumMod val="75000"/>
+                  <a:lumOff val="25000"/>
+                </a:schemeClr>
+              </a:solidFill>
+            </a:endParaRPr>
+          </a:p>
+        </p:txBody>
+      </p:sp>
+    </p:spTree>
+    <p:extLst>
+      <p:ext uri="{BB962C8B-B14F-4D97-AF65-F5344CB8AC3E}">
+        <p14:creationId xmlns:p14="http://schemas.microsoft.com/office/powerpoint/2010/main" val="3874972918"/>
       </p:ext>
     </p:extLst>
   </p:cSld>

--- a/apresentacao/contextualizacao.pptx
+++ b/apresentacao/contextualizacao.pptx
@@ -5,10 +5,10 @@
     <p:sldMasterId id="2147483673" r:id="rId1"/>
   </p:sldMasterIdLst>
   <p:notesMasterIdLst>
-    <p:notesMasterId r:id="rId11"/>
+    <p:notesMasterId r:id="rId12"/>
   </p:notesMasterIdLst>
   <p:handoutMasterIdLst>
-    <p:handoutMasterId r:id="rId12"/>
+    <p:handoutMasterId r:id="rId13"/>
   </p:handoutMasterIdLst>
   <p:sldIdLst>
     <p:sldId id="257" r:id="rId2"/>
@@ -20,6 +20,7 @@
     <p:sldId id="262" r:id="rId8"/>
     <p:sldId id="265" r:id="rId9"/>
     <p:sldId id="266" r:id="rId10"/>
+    <p:sldId id="267" r:id="rId11"/>
   </p:sldIdLst>
   <p:sldSz cx="12192000" cy="6858000"/>
   <p:notesSz cx="6858000" cy="9144000"/>
@@ -5270,6 +5271,191 @@
       </p:transition>
     </mc:Fallback>
   </mc:AlternateContent>
+</p:sld>
+</file>
+
+<file path=ppt/slides/slide10.xml><?xml version="1.0" encoding="utf-8"?>
+<p:sld xmlns:a="http://schemas.openxmlformats.org/drawingml/2006/main" xmlns:r="http://schemas.openxmlformats.org/officeDocument/2006/relationships" xmlns:p="http://schemas.openxmlformats.org/presentationml/2006/main">
+  <p:cSld>
+    <p:spTree>
+      <p:nvGrpSpPr>
+        <p:cNvPr id="1" name=""/>
+        <p:cNvGrpSpPr/>
+        <p:nvPr/>
+      </p:nvGrpSpPr>
+      <p:grpSpPr>
+        <a:xfrm>
+          <a:off x="0" y="0"/>
+          <a:ext cx="0" cy="0"/>
+          <a:chOff x="0" y="0"/>
+          <a:chExt cx="0" cy="0"/>
+        </a:xfrm>
+      </p:grpSpPr>
+      <p:sp>
+        <p:nvSpPr>
+          <p:cNvPr id="4" name="Espaço Reservado para Data 3">
+            <a:extLst>
+              <a:ext uri="{FF2B5EF4-FFF2-40B4-BE49-F238E27FC236}">
+                <a16:creationId xmlns:a16="http://schemas.microsoft.com/office/drawing/2014/main" id="{B1E0C4A6-8007-4ABF-A48C-439D7EEAC44D}"/>
+              </a:ext>
+            </a:extLst>
+          </p:cNvPr>
+          <p:cNvSpPr>
+            <a:spLocks noGrp="1"/>
+          </p:cNvSpPr>
+          <p:nvPr>
+            <p:ph type="dt" sz="half" idx="10"/>
+          </p:nvPr>
+        </p:nvSpPr>
+        <p:spPr/>
+        <p:txBody>
+          <a:bodyPr/>
+          <a:lstStyle/>
+          <a:p>
+            <a:pPr rtl="0"/>
+            <a:fld id="{B6E62EC5-0DC6-4A78-BB05-D67BCA50AA36}" type="datetime1">
+              <a:rPr lang="pt-BR" smtClean="0"/>
+              <a:t>23/09/2020</a:t>
+            </a:fld>
+            <a:endParaRPr lang="en-US"/>
+          </a:p>
+        </p:txBody>
+      </p:sp>
+      <p:graphicFrame>
+        <p:nvGraphicFramePr>
+          <p:cNvPr id="5" name="Objeto 4">
+            <a:extLst>
+              <a:ext uri="{FF2B5EF4-FFF2-40B4-BE49-F238E27FC236}">
+                <a16:creationId xmlns:a16="http://schemas.microsoft.com/office/drawing/2014/main" id="{21845689-51ED-45ED-AF76-440905A06D4A}"/>
+              </a:ext>
+            </a:extLst>
+          </p:cNvPr>
+          <p:cNvGraphicFramePr>
+            <a:graphicFrameLocks noChangeAspect="1"/>
+          </p:cNvGraphicFramePr>
+          <p:nvPr>
+            <p:extLst>
+              <p:ext uri="{D42A27DB-BD31-4B8C-83A1-F6EECF244321}">
+                <p14:modId xmlns:p14="http://schemas.microsoft.com/office/powerpoint/2010/main" val="2093834855"/>
+              </p:ext>
+            </p:extLst>
+          </p:nvPr>
+        </p:nvGraphicFramePr>
+        <p:xfrm>
+          <a:off x="1763889" y="1527175"/>
+          <a:ext cx="8664222" cy="4873625"/>
+        </p:xfrm>
+        <a:graphic>
+          <a:graphicData uri="http://schemas.openxmlformats.org/presentationml/2006/ole">
+            <mc:AlternateContent xmlns:mc="http://schemas.openxmlformats.org/markup-compatibility/2006">
+              <mc:Choice xmlns:v="urn:schemas-microsoft-com:vml" Requires="v">
+                <p:oleObj spid="_x0000_s1028" name="Acrobat Document" r:id="rId3" imgW="13716000" imgH="7715250" progId="AcroExch.Document.DC">
+                  <p:embed/>
+                </p:oleObj>
+              </mc:Choice>
+              <mc:Fallback>
+                <p:oleObj name="Acrobat Document" r:id="rId3" imgW="13716000" imgH="7715250" progId="AcroExch.Document.DC">
+                  <p:embed/>
+                  <p:pic>
+                    <p:nvPicPr>
+                      <p:cNvPr id="0" name=""/>
+                      <p:cNvPicPr/>
+                      <p:nvPr/>
+                    </p:nvPicPr>
+                    <p:blipFill>
+                      <a:blip r:embed="rId4"/>
+                      <a:stretch>
+                        <a:fillRect/>
+                      </a:stretch>
+                    </p:blipFill>
+                    <p:spPr>
+                      <a:xfrm>
+                        <a:off x="1763889" y="1527175"/>
+                        <a:ext cx="8664222" cy="4873625"/>
+                      </a:xfrm>
+                      <a:prstGeom prst="rect">
+                        <a:avLst/>
+                      </a:prstGeom>
+                    </p:spPr>
+                  </p:pic>
+                </p:oleObj>
+              </mc:Fallback>
+            </mc:AlternateContent>
+          </a:graphicData>
+        </a:graphic>
+      </p:graphicFrame>
+      <p:sp>
+        <p:nvSpPr>
+          <p:cNvPr id="6" name="Título 1">
+            <a:extLst>
+              <a:ext uri="{FF2B5EF4-FFF2-40B4-BE49-F238E27FC236}">
+                <a16:creationId xmlns:a16="http://schemas.microsoft.com/office/drawing/2014/main" id="{A20FBAA9-DC58-47A5-B46D-89EA465443F1}"/>
+              </a:ext>
+            </a:extLst>
+          </p:cNvPr>
+          <p:cNvSpPr>
+            <a:spLocks noGrp="1"/>
+          </p:cNvSpPr>
+          <p:nvPr>
+            <p:ph type="title"/>
+          </p:nvPr>
+        </p:nvSpPr>
+        <p:spPr>
+          <a:xfrm>
+            <a:off x="922214" y="383293"/>
+            <a:ext cx="10503591" cy="937803"/>
+          </a:xfrm>
+        </p:spPr>
+        <p:txBody>
+          <a:bodyPr rtlCol="0">
+            <a:normAutofit fontScale="90000"/>
+          </a:bodyPr>
+          <a:lstStyle/>
+          <a:p>
+            <a:pPr rtl="0"/>
+            <a:r>
+              <a:rPr lang="pt-BR" sz="8800" dirty="0">
+                <a:solidFill>
+                  <a:schemeClr val="tx1">
+                    <a:lumMod val="75000"/>
+                    <a:lumOff val="25000"/>
+                  </a:schemeClr>
+                </a:solidFill>
+              </a:rPr>
+              <a:t>Diagrama de solução</a:t>
+            </a:r>
+            <a:r>
+              <a:rPr lang="pt-BR" dirty="0">
+                <a:solidFill>
+                  <a:schemeClr val="tx1">
+                    <a:lumMod val="75000"/>
+                    <a:lumOff val="25000"/>
+                  </a:schemeClr>
+                </a:solidFill>
+              </a:rPr>
+              <a:t> </a:t>
+            </a:r>
+            <a:endParaRPr lang="en-US" dirty="0">
+              <a:solidFill>
+                <a:schemeClr val="tx1">
+                  <a:lumMod val="75000"/>
+                  <a:lumOff val="25000"/>
+                </a:schemeClr>
+              </a:solidFill>
+            </a:endParaRPr>
+          </a:p>
+        </p:txBody>
+      </p:sp>
+    </p:spTree>
+    <p:extLst>
+      <p:ext uri="{BB962C8B-B14F-4D97-AF65-F5344CB8AC3E}">
+        <p14:creationId xmlns:p14="http://schemas.microsoft.com/office/powerpoint/2010/main" val="3322762980"/>
+      </p:ext>
+    </p:extLst>
+  </p:cSld>
+  <p:clrMapOvr>
+    <a:masterClrMapping/>
+  </p:clrMapOvr>
 </p:sld>
 </file>
 

--- a/apresentacao/contextualizacao.pptx
+++ b/apresentacao/contextualizacao.pptx
@@ -214,7 +214,7 @@
             <a:pPr rtl="0"/>
             <a:fld id="{81A56B8B-90F6-41EC-AC37-F033ED2A57FF}" type="datetime1">
               <a:rPr lang="pt-BR" smtClean="0"/>
-              <a:t>23/09/2020</a:t>
+              <a:t>01/10/2020</a:t>
             </a:fld>
             <a:endParaRPr lang="en-US" dirty="0"/>
           </a:p>
@@ -384,7 +384,7 @@
             <a:pPr rtl="0"/>
             <a:fld id="{CBA983AA-2481-4371-917C-6457CA055053}" type="datetime1">
               <a:rPr lang="pt-BR" smtClean="0"/>
-              <a:t>23/09/2020</a:t>
+              <a:t>01/10/2020</a:t>
             </a:fld>
             <a:endParaRPr lang="en-US"/>
           </a:p>
@@ -1129,7 +1129,7 @@
             <a:pPr rtl="0"/>
             <a:fld id="{A97FF641-F313-4AD0-BA92-8145B9101A50}" type="datetime1">
               <a:rPr lang="pt-BR" smtClean="0"/>
-              <a:t>23/09/2020</a:t>
+              <a:t>01/10/2020</a:t>
             </a:fld>
             <a:endParaRPr lang="en-US" dirty="0"/>
           </a:p>
@@ -1335,7 +1335,7 @@
             <a:pPr rtl="0"/>
             <a:fld id="{9D288EE4-F830-4159-BFF9-E721BA7AE0AB}" type="datetime1">
               <a:rPr lang="pt-BR" smtClean="0"/>
-              <a:t>23/09/2020</a:t>
+              <a:t>01/10/2020</a:t>
             </a:fld>
             <a:endParaRPr lang="en-US"/>
           </a:p>
@@ -1519,7 +1519,7 @@
             <a:pPr rtl="0"/>
             <a:fld id="{006B8899-C6DA-43D3-8986-CFC20CD4B104}" type="datetime1">
               <a:rPr lang="pt-BR" smtClean="0"/>
-              <a:t>23/09/2020</a:t>
+              <a:t>01/10/2020</a:t>
             </a:fld>
             <a:endParaRPr lang="en-US"/>
           </a:p>
@@ -1693,7 +1693,7 @@
             <a:pPr rtl="0"/>
             <a:fld id="{B6E62EC5-0DC6-4A78-BB05-D67BCA50AA36}" type="datetime1">
               <a:rPr lang="pt-BR" smtClean="0"/>
-              <a:t>23/09/2020</a:t>
+              <a:t>01/10/2020</a:t>
             </a:fld>
             <a:endParaRPr lang="en-US"/>
           </a:p>
@@ -2296,7 +2296,7 @@
             <a:pPr rtl="0"/>
             <a:fld id="{0D1A4693-2F41-43D3-BCDB-D5059F2986DB}" type="datetime1">
               <a:rPr lang="pt-BR" smtClean="0"/>
-              <a:t>23/09/2020</a:t>
+              <a:t>01/10/2020</a:t>
             </a:fld>
             <a:endParaRPr lang="en-US" dirty="0"/>
           </a:p>
@@ -2620,7 +2620,7 @@
             <a:pPr rtl="0"/>
             <a:fld id="{5BBB8AB2-DE16-44F3-8F59-40B18FC602F6}" type="datetime1">
               <a:rPr lang="pt-BR" smtClean="0"/>
-              <a:t>23/09/2020</a:t>
+              <a:t>01/10/2020</a:t>
             </a:fld>
             <a:endParaRPr lang="en-US"/>
           </a:p>
@@ -3061,7 +3061,7 @@
             <a:pPr rtl="0"/>
             <a:fld id="{5ACA5D35-0539-48FA-A753-0871E1ECAF0D}" type="datetime1">
               <a:rPr lang="pt-BR" smtClean="0"/>
-              <a:t>23/09/2020</a:t>
+              <a:t>01/10/2020</a:t>
             </a:fld>
             <a:endParaRPr lang="en-US"/>
           </a:p>
@@ -3183,7 +3183,7 @@
             <a:pPr rtl="0"/>
             <a:fld id="{5BA371F0-AB78-4B7A-B042-3B5D124F9CC4}" type="datetime1">
               <a:rPr lang="pt-BR" smtClean="0"/>
-              <a:t>23/09/2020</a:t>
+              <a:t>01/10/2020</a:t>
             </a:fld>
             <a:endParaRPr lang="en-US"/>
           </a:p>
@@ -3281,7 +3281,7 @@
             <a:pPr rtl="0"/>
             <a:fld id="{C3E59013-4240-4BCB-9D6D-0402FB62C003}" type="datetime1">
               <a:rPr lang="pt-BR" smtClean="0"/>
-              <a:t>23/09/2020</a:t>
+              <a:t>01/10/2020</a:t>
             </a:fld>
             <a:endParaRPr lang="en-US"/>
           </a:p>
@@ -3702,7 +3702,7 @@
             <a:pPr rtl="0"/>
             <a:fld id="{590243F5-F020-403B-84E8-3610E6C6CB4F}" type="datetime1">
               <a:rPr lang="pt-BR" smtClean="0"/>
-              <a:t>23/09/2020</a:t>
+              <a:t>01/10/2020</a:t>
             </a:fld>
             <a:endParaRPr lang="en-US"/>
           </a:p>
@@ -3967,7 +3967,7 @@
             <a:pPr rtl="0"/>
             <a:fld id="{5D7AD476-FCE1-4F4C-AFD1-546A99681531}" type="datetime1">
               <a:rPr lang="pt-BR" smtClean="0"/>
-              <a:t>23/09/2020</a:t>
+              <a:t>01/10/2020</a:t>
             </a:fld>
             <a:endParaRPr lang="en-US" dirty="0"/>
           </a:p>
@@ -4487,7 +4487,7 @@
             <a:pPr rtl="0"/>
             <a:fld id="{2643713A-F4DD-4FBD-9DD6-C5B4A339B115}" type="datetime1">
               <a:rPr lang="pt-BR" smtClean="0"/>
-              <a:t>23/09/2020</a:t>
+              <a:t>01/10/2020</a:t>
             </a:fld>
             <a:endParaRPr lang="en-US" dirty="0"/>
           </a:p>
@@ -5009,7 +5009,7 @@
                 <a16:creationId xmlns:a16="http://schemas.microsoft.com/office/drawing/2014/main" id="{2644B391-9BFE-445C-A9EC-F544BB85FBC7}"/>
               </a:ext>
               <a:ext uri="{C183D7F6-B498-43B3-948B-1728B52AA6E4}">
-                <adec:decorative xmlns:adec="http://schemas.microsoft.com/office/drawing/2017/decorative" val="1"/>
+                <adec:decorative xmlns:adec="http://schemas.microsoft.com/office/drawing/2017/decorative" xmlns="" val="1"/>
               </a:ext>
             </a:extLst>
           </p:cNvPr>
@@ -5054,7 +5054,7 @@
                 <a16:creationId xmlns:a16="http://schemas.microsoft.com/office/drawing/2014/main" id="{80F26E69-87D9-4655-AE7B-280A87AA3CAD}"/>
               </a:ext>
               <a:ext uri="{C183D7F6-B498-43B3-948B-1728B52AA6E4}">
-                <adec:decorative xmlns:adec="http://schemas.microsoft.com/office/drawing/2017/decorative" val="1"/>
+                <adec:decorative xmlns:adec="http://schemas.microsoft.com/office/drawing/2017/decorative" xmlns="" val="1"/>
               </a:ext>
             </a:extLst>
           </p:cNvPr>
@@ -5315,7 +5315,7 @@
             <a:pPr rtl="0"/>
             <a:fld id="{B6E62EC5-0DC6-4A78-BB05-D67BCA50AA36}" type="datetime1">
               <a:rPr lang="pt-BR" smtClean="0"/>
-              <a:t>23/09/2020</a:t>
+              <a:t>01/10/2020</a:t>
             </a:fld>
             <a:endParaRPr lang="en-US"/>
           </a:p>
@@ -5349,7 +5349,7 @@
           <a:graphicData uri="http://schemas.openxmlformats.org/presentationml/2006/ole">
             <mc:AlternateContent xmlns:mc="http://schemas.openxmlformats.org/markup-compatibility/2006">
               <mc:Choice xmlns:v="urn:schemas-microsoft-com:vml" Requires="v">
-                <p:oleObj spid="_x0000_s1028" name="Acrobat Document" r:id="rId3" imgW="13716000" imgH="7715250" progId="AcroExch.Document.DC">
+                <p:oleObj spid="_x0000_s1029" name="Acrobat Document" r:id="rId3" imgW="13716000" imgH="7715250" progId="AcroExch.Document.DC">
                   <p:embed/>
                 </p:oleObj>
               </mc:Choice>
@@ -5527,7 +5527,7 @@
                 <a16:creationId xmlns:a16="http://schemas.microsoft.com/office/drawing/2014/main" id="{F5380E9A-163E-4576-BCDD-0A450B7E9097}"/>
               </a:ext>
               <a:ext uri="{C183D7F6-B498-43B3-948B-1728B52AA6E4}">
-                <adec:decorative xmlns:adec="http://schemas.microsoft.com/office/drawing/2017/decorative" val="1"/>
+                <adec:decorative xmlns:adec="http://schemas.microsoft.com/office/drawing/2017/decorative" xmlns="" val="1"/>
               </a:ext>
             </a:extLst>
           </p:cNvPr>
@@ -5584,7 +5584,7 @@
                 <a16:creationId xmlns:a16="http://schemas.microsoft.com/office/drawing/2014/main" id="{88DDEF77-9746-4D83-91F9-442A2487E666}"/>
               </a:ext>
               <a:ext uri="{C183D7F6-B498-43B3-948B-1728B52AA6E4}">
-                <adec:decorative xmlns:adec="http://schemas.microsoft.com/office/drawing/2017/decorative" val="1"/>
+                <adec:decorative xmlns:adec="http://schemas.microsoft.com/office/drawing/2017/decorative" xmlns="" val="1"/>
               </a:ext>
             </a:extLst>
           </p:cNvPr>
@@ -5831,7 +5831,7 @@
                 <a16:creationId xmlns:a16="http://schemas.microsoft.com/office/drawing/2014/main" id="{F5380E9A-163E-4576-BCDD-0A450B7E9097}"/>
               </a:ext>
               <a:ext uri="{C183D7F6-B498-43B3-948B-1728B52AA6E4}">
-                <adec:decorative xmlns:adec="http://schemas.microsoft.com/office/drawing/2017/decorative" val="1"/>
+                <adec:decorative xmlns:adec="http://schemas.microsoft.com/office/drawing/2017/decorative" xmlns="" val="1"/>
               </a:ext>
             </a:extLst>
           </p:cNvPr>
@@ -5888,7 +5888,7 @@
                 <a16:creationId xmlns:a16="http://schemas.microsoft.com/office/drawing/2014/main" id="{88DDEF77-9746-4D83-91F9-442A2487E666}"/>
               </a:ext>
               <a:ext uri="{C183D7F6-B498-43B3-948B-1728B52AA6E4}">
-                <adec:decorative xmlns:adec="http://schemas.microsoft.com/office/drawing/2017/decorative" val="1"/>
+                <adec:decorative xmlns:adec="http://schemas.microsoft.com/office/drawing/2017/decorative" xmlns="" val="1"/>
               </a:ext>
             </a:extLst>
           </p:cNvPr>
@@ -6196,7 +6196,7 @@
                 <a16:creationId xmlns:a16="http://schemas.microsoft.com/office/drawing/2014/main" id="{F5380E9A-163E-4576-BCDD-0A450B7E9097}"/>
               </a:ext>
               <a:ext uri="{C183D7F6-B498-43B3-948B-1728B52AA6E4}">
-                <adec:decorative xmlns:adec="http://schemas.microsoft.com/office/drawing/2017/decorative" val="1"/>
+                <adec:decorative xmlns:adec="http://schemas.microsoft.com/office/drawing/2017/decorative" xmlns="" val="1"/>
               </a:ext>
             </a:extLst>
           </p:cNvPr>
@@ -6253,7 +6253,7 @@
                 <a16:creationId xmlns:a16="http://schemas.microsoft.com/office/drawing/2014/main" id="{88DDEF77-9746-4D83-91F9-442A2487E666}"/>
               </a:ext>
               <a:ext uri="{C183D7F6-B498-43B3-948B-1728B52AA6E4}">
-                <adec:decorative xmlns:adec="http://schemas.microsoft.com/office/drawing/2017/decorative" val="1"/>
+                <adec:decorative xmlns:adec="http://schemas.microsoft.com/office/drawing/2017/decorative" xmlns="" val="1"/>
               </a:ext>
             </a:extLst>
           </p:cNvPr>
@@ -6536,7 +6536,7 @@
                 <a16:creationId xmlns:a16="http://schemas.microsoft.com/office/drawing/2014/main" id="{F5380E9A-163E-4576-BCDD-0A450B7E9097}"/>
               </a:ext>
               <a:ext uri="{C183D7F6-B498-43B3-948B-1728B52AA6E4}">
-                <adec:decorative xmlns:adec="http://schemas.microsoft.com/office/drawing/2017/decorative" val="1"/>
+                <adec:decorative xmlns:adec="http://schemas.microsoft.com/office/drawing/2017/decorative" xmlns="" val="1"/>
               </a:ext>
             </a:extLst>
           </p:cNvPr>
@@ -6593,7 +6593,7 @@
                 <a16:creationId xmlns:a16="http://schemas.microsoft.com/office/drawing/2014/main" id="{88DDEF77-9746-4D83-91F9-442A2487E666}"/>
               </a:ext>
               <a:ext uri="{C183D7F6-B498-43B3-948B-1728B52AA6E4}">
-                <adec:decorative xmlns:adec="http://schemas.microsoft.com/office/drawing/2017/decorative" val="1"/>
+                <adec:decorative xmlns:adec="http://schemas.microsoft.com/office/drawing/2017/decorative" xmlns="" val="1"/>
               </a:ext>
             </a:extLst>
           </p:cNvPr>
@@ -6865,7 +6865,7 @@
                 <a16:creationId xmlns:a16="http://schemas.microsoft.com/office/drawing/2014/main" id="{F5380E9A-163E-4576-BCDD-0A450B7E9097}"/>
               </a:ext>
               <a:ext uri="{C183D7F6-B498-43B3-948B-1728B52AA6E4}">
-                <adec:decorative xmlns:adec="http://schemas.microsoft.com/office/drawing/2017/decorative" val="1"/>
+                <adec:decorative xmlns:adec="http://schemas.microsoft.com/office/drawing/2017/decorative" xmlns="" val="1"/>
               </a:ext>
             </a:extLst>
           </p:cNvPr>
@@ -6922,7 +6922,7 @@
                 <a16:creationId xmlns:a16="http://schemas.microsoft.com/office/drawing/2014/main" id="{88DDEF77-9746-4D83-91F9-442A2487E666}"/>
               </a:ext>
               <a:ext uri="{C183D7F6-B498-43B3-948B-1728B52AA6E4}">
-                <adec:decorative xmlns:adec="http://schemas.microsoft.com/office/drawing/2017/decorative" val="1"/>
+                <adec:decorative xmlns:adec="http://schemas.microsoft.com/office/drawing/2017/decorative" xmlns="" val="1"/>
               </a:ext>
             </a:extLst>
           </p:cNvPr>
@@ -7196,7 +7196,7 @@
                 <a16:creationId xmlns:a16="http://schemas.microsoft.com/office/drawing/2014/main" id="{F5380E9A-163E-4576-BCDD-0A450B7E9097}"/>
               </a:ext>
               <a:ext uri="{C183D7F6-B498-43B3-948B-1728B52AA6E4}">
-                <adec:decorative xmlns:adec="http://schemas.microsoft.com/office/drawing/2017/decorative" val="1"/>
+                <adec:decorative xmlns:adec="http://schemas.microsoft.com/office/drawing/2017/decorative" xmlns="" val="1"/>
               </a:ext>
             </a:extLst>
           </p:cNvPr>
@@ -7253,7 +7253,7 @@
                 <a16:creationId xmlns:a16="http://schemas.microsoft.com/office/drawing/2014/main" id="{88DDEF77-9746-4D83-91F9-442A2487E666}"/>
               </a:ext>
               <a:ext uri="{C183D7F6-B498-43B3-948B-1728B52AA6E4}">
-                <adec:decorative xmlns:adec="http://schemas.microsoft.com/office/drawing/2017/decorative" val="1"/>
+                <adec:decorative xmlns:adec="http://schemas.microsoft.com/office/drawing/2017/decorative" xmlns="" val="1"/>
               </a:ext>
             </a:extLst>
           </p:cNvPr>
@@ -7529,7 +7529,7 @@
                 <a16:creationId xmlns:a16="http://schemas.microsoft.com/office/drawing/2014/main" id="{F5380E9A-163E-4576-BCDD-0A450B7E9097}"/>
               </a:ext>
               <a:ext uri="{C183D7F6-B498-43B3-948B-1728B52AA6E4}">
-                <adec:decorative xmlns:adec="http://schemas.microsoft.com/office/drawing/2017/decorative" val="1"/>
+                <adec:decorative xmlns:adec="http://schemas.microsoft.com/office/drawing/2017/decorative" xmlns="" val="1"/>
               </a:ext>
             </a:extLst>
           </p:cNvPr>
@@ -7586,7 +7586,7 @@
                 <a16:creationId xmlns:a16="http://schemas.microsoft.com/office/drawing/2014/main" id="{88DDEF77-9746-4D83-91F9-442A2487E666}"/>
               </a:ext>
               <a:ext uri="{C183D7F6-B498-43B3-948B-1728B52AA6E4}">
-                <adec:decorative xmlns:adec="http://schemas.microsoft.com/office/drawing/2017/decorative" val="1"/>
+                <adec:decorative xmlns:adec="http://schemas.microsoft.com/office/drawing/2017/decorative" xmlns="" val="1"/>
               </a:ext>
             </a:extLst>
           </p:cNvPr>
@@ -7765,7 +7765,7 @@
         </p:blipFill>
         <p:spPr>
           <a:xfrm>
-            <a:off x="-259059" y="237744"/>
+            <a:off x="21" y="0"/>
             <a:ext cx="12191979" cy="6857990"/>
           </a:xfrm>
           <a:prstGeom prst="rect">
@@ -7781,7 +7781,7 @@
                 <a16:creationId xmlns:a16="http://schemas.microsoft.com/office/drawing/2014/main" id="{F5380E9A-163E-4576-BCDD-0A450B7E9097}"/>
               </a:ext>
               <a:ext uri="{C183D7F6-B498-43B3-948B-1728B52AA6E4}">
-                <adec:decorative xmlns:adec="http://schemas.microsoft.com/office/drawing/2017/decorative" val="1"/>
+                <adec:decorative xmlns:adec="http://schemas.microsoft.com/office/drawing/2017/decorative" xmlns="" val="1"/>
               </a:ext>
             </a:extLst>
           </p:cNvPr>
@@ -7838,7 +7838,7 @@
                 <a16:creationId xmlns:a16="http://schemas.microsoft.com/office/drawing/2014/main" id="{88DDEF77-9746-4D83-91F9-442A2487E666}"/>
               </a:ext>
               <a:ext uri="{C183D7F6-B498-43B3-948B-1728B52AA6E4}">
-                <adec:decorative xmlns:adec="http://schemas.microsoft.com/office/drawing/2017/decorative" val="1"/>
+                <adec:decorative xmlns:adec="http://schemas.microsoft.com/office/drawing/2017/decorative" xmlns="" val="1"/>
               </a:ext>
             </a:extLst>
           </p:cNvPr>

--- a/apresentacao/contextualizacao.pptx
+++ b/apresentacao/contextualizacao.pptx
@@ -5,22 +5,17 @@
     <p:sldMasterId id="2147483673" r:id="rId1"/>
   </p:sldMasterIdLst>
   <p:notesMasterIdLst>
-    <p:notesMasterId r:id="rId12"/>
+    <p:notesMasterId r:id="rId7"/>
   </p:notesMasterIdLst>
   <p:handoutMasterIdLst>
-    <p:handoutMasterId r:id="rId13"/>
+    <p:handoutMasterId r:id="rId8"/>
   </p:handoutMasterIdLst>
   <p:sldIdLst>
     <p:sldId id="257" r:id="rId2"/>
     <p:sldId id="264" r:id="rId3"/>
     <p:sldId id="258" r:id="rId4"/>
-    <p:sldId id="259" r:id="rId5"/>
-    <p:sldId id="260" r:id="rId6"/>
-    <p:sldId id="261" r:id="rId7"/>
-    <p:sldId id="262" r:id="rId8"/>
-    <p:sldId id="265" r:id="rId9"/>
-    <p:sldId id="266" r:id="rId10"/>
-    <p:sldId id="267" r:id="rId11"/>
+    <p:sldId id="260" r:id="rId5"/>
+    <p:sldId id="262" r:id="rId6"/>
   </p:sldIdLst>
   <p:sldSz cx="12192000" cy="6858000"/>
   <p:notesSz cx="6858000" cy="9144000"/>
@@ -130,6 +125,14 @@
 </p:presentation>
 </file>
 
+<file path=ppt/revisionInfo.xml><?xml version="1.0" encoding="utf-8"?>
+<p1510:revInfo xmlns:a="http://schemas.openxmlformats.org/drawingml/2006/main" xmlns:r="http://schemas.openxmlformats.org/officeDocument/2006/relationships" xmlns:p1510="http://schemas.microsoft.com/office/powerpoint/2015/10/main">
+  <p1510:revLst>
+    <p1510:client id="{C273E1D9-776B-4F50-AB8B-B24989C93459}" v="3" dt="2020-10-22T14:48:58.240"/>
+  </p1510:revLst>
+</p1510:revInfo>
+</file>
+
 <file path=ppt/handoutMasters/handoutMaster1.xml><?xml version="1.0" encoding="utf-8"?>
 <p:handoutMaster xmlns:a="http://schemas.openxmlformats.org/drawingml/2006/main" xmlns:r="http://schemas.openxmlformats.org/officeDocument/2006/relationships" xmlns:p="http://schemas.openxmlformats.org/presentationml/2006/main">
   <p:cSld>
@@ -214,7 +217,7 @@
             <a:pPr rtl="0"/>
             <a:fld id="{81A56B8B-90F6-41EC-AC37-F033ED2A57FF}" type="datetime1">
               <a:rPr lang="pt-BR" smtClean="0"/>
-              <a:t>01/10/2020</a:t>
+              <a:t>22/10/2020</a:t>
             </a:fld>
             <a:endParaRPr lang="en-US" dirty="0"/>
           </a:p>
@@ -384,7 +387,7 @@
             <a:pPr rtl="0"/>
             <a:fld id="{CBA983AA-2481-4371-917C-6457CA055053}" type="datetime1">
               <a:rPr lang="pt-BR" smtClean="0"/>
-              <a:t>01/10/2020</a:t>
+              <a:t>22/10/2020</a:t>
             </a:fld>
             <a:endParaRPr lang="en-US"/>
           </a:p>
@@ -1129,7 +1132,7 @@
             <a:pPr rtl="0"/>
             <a:fld id="{A97FF641-F313-4AD0-BA92-8145B9101A50}" type="datetime1">
               <a:rPr lang="pt-BR" smtClean="0"/>
-              <a:t>01/10/2020</a:t>
+              <a:t>22/10/2020</a:t>
             </a:fld>
             <a:endParaRPr lang="en-US" dirty="0"/>
           </a:p>
@@ -1335,7 +1338,7 @@
             <a:pPr rtl="0"/>
             <a:fld id="{9D288EE4-F830-4159-BFF9-E721BA7AE0AB}" type="datetime1">
               <a:rPr lang="pt-BR" smtClean="0"/>
-              <a:t>01/10/2020</a:t>
+              <a:t>22/10/2020</a:t>
             </a:fld>
             <a:endParaRPr lang="en-US"/>
           </a:p>
@@ -1519,7 +1522,7 @@
             <a:pPr rtl="0"/>
             <a:fld id="{006B8899-C6DA-43D3-8986-CFC20CD4B104}" type="datetime1">
               <a:rPr lang="pt-BR" smtClean="0"/>
-              <a:t>01/10/2020</a:t>
+              <a:t>22/10/2020</a:t>
             </a:fld>
             <a:endParaRPr lang="en-US"/>
           </a:p>
@@ -1693,7 +1696,7 @@
             <a:pPr rtl="0"/>
             <a:fld id="{B6E62EC5-0DC6-4A78-BB05-D67BCA50AA36}" type="datetime1">
               <a:rPr lang="pt-BR" smtClean="0"/>
-              <a:t>01/10/2020</a:t>
+              <a:t>22/10/2020</a:t>
             </a:fld>
             <a:endParaRPr lang="en-US"/>
           </a:p>
@@ -2296,7 +2299,7 @@
             <a:pPr rtl="0"/>
             <a:fld id="{0D1A4693-2F41-43D3-BCDB-D5059F2986DB}" type="datetime1">
               <a:rPr lang="pt-BR" smtClean="0"/>
-              <a:t>01/10/2020</a:t>
+              <a:t>22/10/2020</a:t>
             </a:fld>
             <a:endParaRPr lang="en-US" dirty="0"/>
           </a:p>
@@ -2620,7 +2623,7 @@
             <a:pPr rtl="0"/>
             <a:fld id="{5BBB8AB2-DE16-44F3-8F59-40B18FC602F6}" type="datetime1">
               <a:rPr lang="pt-BR" smtClean="0"/>
-              <a:t>01/10/2020</a:t>
+              <a:t>22/10/2020</a:t>
             </a:fld>
             <a:endParaRPr lang="en-US"/>
           </a:p>
@@ -3061,7 +3064,7 @@
             <a:pPr rtl="0"/>
             <a:fld id="{5ACA5D35-0539-48FA-A753-0871E1ECAF0D}" type="datetime1">
               <a:rPr lang="pt-BR" smtClean="0"/>
-              <a:t>01/10/2020</a:t>
+              <a:t>22/10/2020</a:t>
             </a:fld>
             <a:endParaRPr lang="en-US"/>
           </a:p>
@@ -3183,7 +3186,7 @@
             <a:pPr rtl="0"/>
             <a:fld id="{5BA371F0-AB78-4B7A-B042-3B5D124F9CC4}" type="datetime1">
               <a:rPr lang="pt-BR" smtClean="0"/>
-              <a:t>01/10/2020</a:t>
+              <a:t>22/10/2020</a:t>
             </a:fld>
             <a:endParaRPr lang="en-US"/>
           </a:p>
@@ -3281,7 +3284,7 @@
             <a:pPr rtl="0"/>
             <a:fld id="{C3E59013-4240-4BCB-9D6D-0402FB62C003}" type="datetime1">
               <a:rPr lang="pt-BR" smtClean="0"/>
-              <a:t>01/10/2020</a:t>
+              <a:t>22/10/2020</a:t>
             </a:fld>
             <a:endParaRPr lang="en-US"/>
           </a:p>
@@ -3702,7 +3705,7 @@
             <a:pPr rtl="0"/>
             <a:fld id="{590243F5-F020-403B-84E8-3610E6C6CB4F}" type="datetime1">
               <a:rPr lang="pt-BR" smtClean="0"/>
-              <a:t>01/10/2020</a:t>
+              <a:t>22/10/2020</a:t>
             </a:fld>
             <a:endParaRPr lang="en-US"/>
           </a:p>
@@ -3967,7 +3970,7 @@
             <a:pPr rtl="0"/>
             <a:fld id="{5D7AD476-FCE1-4F4C-AFD1-546A99681531}" type="datetime1">
               <a:rPr lang="pt-BR" smtClean="0"/>
-              <a:t>01/10/2020</a:t>
+              <a:t>22/10/2020</a:t>
             </a:fld>
             <a:endParaRPr lang="en-US" dirty="0"/>
           </a:p>
@@ -4487,7 +4490,7 @@
             <a:pPr rtl="0"/>
             <a:fld id="{2643713A-F4DD-4FBD-9DD6-C5B4A339B115}" type="datetime1">
               <a:rPr lang="pt-BR" smtClean="0"/>
-              <a:t>01/10/2020</a:t>
+              <a:t>22/10/2020</a:t>
             </a:fld>
             <a:endParaRPr lang="en-US" dirty="0"/>
           </a:p>
@@ -4993,7 +4996,7 @@
         </p:blipFill>
         <p:spPr>
           <a:xfrm>
-            <a:off x="20" y="10"/>
+            <a:off x="21" y="10"/>
             <a:ext cx="12191979" cy="6857990"/>
           </a:xfrm>
           <a:prstGeom prst="rect">
@@ -5009,7 +5012,7 @@
                 <a16:creationId xmlns:a16="http://schemas.microsoft.com/office/drawing/2014/main" id="{2644B391-9BFE-445C-A9EC-F544BB85FBC7}"/>
               </a:ext>
               <a:ext uri="{C183D7F6-B498-43B3-948B-1728B52AA6E4}">
-                <adec:decorative xmlns:adec="http://schemas.microsoft.com/office/drawing/2017/decorative" xmlns="" val="1"/>
+                <adec:decorative xmlns:adec="http://schemas.microsoft.com/office/drawing/2017/decorative" val="1"/>
               </a:ext>
             </a:extLst>
           </p:cNvPr>
@@ -5054,7 +5057,7 @@
                 <a16:creationId xmlns:a16="http://schemas.microsoft.com/office/drawing/2014/main" id="{80F26E69-87D9-4655-AE7B-280A87AA3CAD}"/>
               </a:ext>
               <a:ext uri="{C183D7F6-B498-43B3-948B-1728B52AA6E4}">
-                <adec:decorative xmlns:adec="http://schemas.microsoft.com/office/drawing/2017/decorative" xmlns="" val="1"/>
+                <adec:decorative xmlns:adec="http://schemas.microsoft.com/office/drawing/2017/decorative" val="1"/>
               </a:ext>
             </a:extLst>
           </p:cNvPr>
@@ -5114,7 +5117,7 @@
         </p:spPr>
         <p:txBody>
           <a:bodyPr rtlCol="0">
-            <a:normAutofit fontScale="90000"/>
+            <a:normAutofit/>
           </a:bodyPr>
           <a:lstStyle/>
           <a:p>
@@ -5125,7 +5128,7 @@
                   <a:schemeClr val="tx1"/>
                 </a:solidFill>
               </a:rPr>
-              <a:t>Gerenciamento de uma estufa</a:t>
+              <a:t>GROONTECH</a:t>
             </a:r>
             <a:endParaRPr lang="pt-br" sz="4400" dirty="0">
               <a:solidFill>
@@ -5159,7 +5162,7 @@
         </p:spPr>
         <p:txBody>
           <a:bodyPr rtlCol="0">
-            <a:normAutofit fontScale="92500" lnSpcReduction="20000"/>
+            <a:normAutofit/>
           </a:bodyPr>
           <a:lstStyle/>
           <a:p>
@@ -5170,7 +5173,7 @@
                   <a:schemeClr val="tx1"/>
                 </a:solidFill>
               </a:rPr>
-              <a:t>Carlos Gomes </a:t>
+              <a:t>Lucas Yudi </a:t>
             </a:r>
           </a:p>
           <a:p>
@@ -5181,7 +5184,7 @@
                   <a:schemeClr val="tx1"/>
                 </a:solidFill>
               </a:rPr>
-              <a:t>Guilherme Guedes </a:t>
+              <a:t>Gabriela Foschini</a:t>
             </a:r>
           </a:p>
           <a:p>
@@ -5192,7 +5195,7 @@
                   <a:schemeClr val="tx1"/>
                 </a:solidFill>
               </a:rPr>
-              <a:t>Guilherme Sousa</a:t>
+              <a:t>Felipe Higa </a:t>
             </a:r>
           </a:p>
           <a:p>
@@ -5203,29 +5206,7 @@
                   <a:schemeClr val="tx1"/>
                 </a:solidFill>
               </a:rPr>
-              <a:t>Kennedy Obi</a:t>
-            </a:r>
-          </a:p>
-          <a:p>
-            <a:pPr rtl="0"/>
-            <a:r>
-              <a:rPr lang="pt-BR" dirty="0">
-                <a:solidFill>
-                  <a:schemeClr val="tx1"/>
-                </a:solidFill>
-              </a:rPr>
-              <a:t>Lucas Yudi</a:t>
-            </a:r>
-          </a:p>
-          <a:p>
-            <a:pPr rtl="0"/>
-            <a:r>
-              <a:rPr lang="pt-BR" dirty="0">
-                <a:solidFill>
-                  <a:schemeClr val="tx1"/>
-                </a:solidFill>
-              </a:rPr>
-              <a:t>Luís Gustavo</a:t>
+              <a:t>Guilherme Soares</a:t>
             </a:r>
           </a:p>
           <a:p>
@@ -5271,191 +5252,6 @@
       </p:transition>
     </mc:Fallback>
   </mc:AlternateContent>
-</p:sld>
-</file>
-
-<file path=ppt/slides/slide10.xml><?xml version="1.0" encoding="utf-8"?>
-<p:sld xmlns:a="http://schemas.openxmlformats.org/drawingml/2006/main" xmlns:r="http://schemas.openxmlformats.org/officeDocument/2006/relationships" xmlns:p="http://schemas.openxmlformats.org/presentationml/2006/main">
-  <p:cSld>
-    <p:spTree>
-      <p:nvGrpSpPr>
-        <p:cNvPr id="1" name=""/>
-        <p:cNvGrpSpPr/>
-        <p:nvPr/>
-      </p:nvGrpSpPr>
-      <p:grpSpPr>
-        <a:xfrm>
-          <a:off x="0" y="0"/>
-          <a:ext cx="0" cy="0"/>
-          <a:chOff x="0" y="0"/>
-          <a:chExt cx="0" cy="0"/>
-        </a:xfrm>
-      </p:grpSpPr>
-      <p:sp>
-        <p:nvSpPr>
-          <p:cNvPr id="4" name="Espaço Reservado para Data 3">
-            <a:extLst>
-              <a:ext uri="{FF2B5EF4-FFF2-40B4-BE49-F238E27FC236}">
-                <a16:creationId xmlns:a16="http://schemas.microsoft.com/office/drawing/2014/main" id="{B1E0C4A6-8007-4ABF-A48C-439D7EEAC44D}"/>
-              </a:ext>
-            </a:extLst>
-          </p:cNvPr>
-          <p:cNvSpPr>
-            <a:spLocks noGrp="1"/>
-          </p:cNvSpPr>
-          <p:nvPr>
-            <p:ph type="dt" sz="half" idx="10"/>
-          </p:nvPr>
-        </p:nvSpPr>
-        <p:spPr/>
-        <p:txBody>
-          <a:bodyPr/>
-          <a:lstStyle/>
-          <a:p>
-            <a:pPr rtl="0"/>
-            <a:fld id="{B6E62EC5-0DC6-4A78-BB05-D67BCA50AA36}" type="datetime1">
-              <a:rPr lang="pt-BR" smtClean="0"/>
-              <a:t>01/10/2020</a:t>
-            </a:fld>
-            <a:endParaRPr lang="en-US"/>
-          </a:p>
-        </p:txBody>
-      </p:sp>
-      <p:graphicFrame>
-        <p:nvGraphicFramePr>
-          <p:cNvPr id="5" name="Objeto 4">
-            <a:extLst>
-              <a:ext uri="{FF2B5EF4-FFF2-40B4-BE49-F238E27FC236}">
-                <a16:creationId xmlns:a16="http://schemas.microsoft.com/office/drawing/2014/main" id="{21845689-51ED-45ED-AF76-440905A06D4A}"/>
-              </a:ext>
-            </a:extLst>
-          </p:cNvPr>
-          <p:cNvGraphicFramePr>
-            <a:graphicFrameLocks noChangeAspect="1"/>
-          </p:cNvGraphicFramePr>
-          <p:nvPr>
-            <p:extLst>
-              <p:ext uri="{D42A27DB-BD31-4B8C-83A1-F6EECF244321}">
-                <p14:modId xmlns:p14="http://schemas.microsoft.com/office/powerpoint/2010/main" val="2093834855"/>
-              </p:ext>
-            </p:extLst>
-          </p:nvPr>
-        </p:nvGraphicFramePr>
-        <p:xfrm>
-          <a:off x="1763889" y="1527175"/>
-          <a:ext cx="8664222" cy="4873625"/>
-        </p:xfrm>
-        <a:graphic>
-          <a:graphicData uri="http://schemas.openxmlformats.org/presentationml/2006/ole">
-            <mc:AlternateContent xmlns:mc="http://schemas.openxmlformats.org/markup-compatibility/2006">
-              <mc:Choice xmlns:v="urn:schemas-microsoft-com:vml" Requires="v">
-                <p:oleObj spid="_x0000_s1029" name="Acrobat Document" r:id="rId3" imgW="13716000" imgH="7715250" progId="AcroExch.Document.DC">
-                  <p:embed/>
-                </p:oleObj>
-              </mc:Choice>
-              <mc:Fallback>
-                <p:oleObj name="Acrobat Document" r:id="rId3" imgW="13716000" imgH="7715250" progId="AcroExch.Document.DC">
-                  <p:embed/>
-                  <p:pic>
-                    <p:nvPicPr>
-                      <p:cNvPr id="0" name=""/>
-                      <p:cNvPicPr/>
-                      <p:nvPr/>
-                    </p:nvPicPr>
-                    <p:blipFill>
-                      <a:blip r:embed="rId4"/>
-                      <a:stretch>
-                        <a:fillRect/>
-                      </a:stretch>
-                    </p:blipFill>
-                    <p:spPr>
-                      <a:xfrm>
-                        <a:off x="1763889" y="1527175"/>
-                        <a:ext cx="8664222" cy="4873625"/>
-                      </a:xfrm>
-                      <a:prstGeom prst="rect">
-                        <a:avLst/>
-                      </a:prstGeom>
-                    </p:spPr>
-                  </p:pic>
-                </p:oleObj>
-              </mc:Fallback>
-            </mc:AlternateContent>
-          </a:graphicData>
-        </a:graphic>
-      </p:graphicFrame>
-      <p:sp>
-        <p:nvSpPr>
-          <p:cNvPr id="6" name="Título 1">
-            <a:extLst>
-              <a:ext uri="{FF2B5EF4-FFF2-40B4-BE49-F238E27FC236}">
-                <a16:creationId xmlns:a16="http://schemas.microsoft.com/office/drawing/2014/main" id="{A20FBAA9-DC58-47A5-B46D-89EA465443F1}"/>
-              </a:ext>
-            </a:extLst>
-          </p:cNvPr>
-          <p:cNvSpPr>
-            <a:spLocks noGrp="1"/>
-          </p:cNvSpPr>
-          <p:nvPr>
-            <p:ph type="title"/>
-          </p:nvPr>
-        </p:nvSpPr>
-        <p:spPr>
-          <a:xfrm>
-            <a:off x="922214" y="383293"/>
-            <a:ext cx="10503591" cy="937803"/>
-          </a:xfrm>
-        </p:spPr>
-        <p:txBody>
-          <a:bodyPr rtlCol="0">
-            <a:normAutofit fontScale="90000"/>
-          </a:bodyPr>
-          <a:lstStyle/>
-          <a:p>
-            <a:pPr rtl="0"/>
-            <a:r>
-              <a:rPr lang="pt-BR" sz="8800" dirty="0">
-                <a:solidFill>
-                  <a:schemeClr val="tx1">
-                    <a:lumMod val="75000"/>
-                    <a:lumOff val="25000"/>
-                  </a:schemeClr>
-                </a:solidFill>
-              </a:rPr>
-              <a:t>Diagrama de solução</a:t>
-            </a:r>
-            <a:r>
-              <a:rPr lang="pt-BR" dirty="0">
-                <a:solidFill>
-                  <a:schemeClr val="tx1">
-                    <a:lumMod val="75000"/>
-                    <a:lumOff val="25000"/>
-                  </a:schemeClr>
-                </a:solidFill>
-              </a:rPr>
-              <a:t> </a:t>
-            </a:r>
-            <a:endParaRPr lang="en-US" dirty="0">
-              <a:solidFill>
-                <a:schemeClr val="tx1">
-                  <a:lumMod val="75000"/>
-                  <a:lumOff val="25000"/>
-                </a:schemeClr>
-              </a:solidFill>
-            </a:endParaRPr>
-          </a:p>
-        </p:txBody>
-      </p:sp>
-    </p:spTree>
-    <p:extLst>
-      <p:ext uri="{BB962C8B-B14F-4D97-AF65-F5344CB8AC3E}">
-        <p14:creationId xmlns:p14="http://schemas.microsoft.com/office/powerpoint/2010/main" val="3322762980"/>
-      </p:ext>
-    </p:extLst>
-  </p:cSld>
-  <p:clrMapOvr>
-    <a:masterClrMapping/>
-  </p:clrMapOvr>
 </p:sld>
 </file>
 
@@ -5511,7 +5307,7 @@
         </p:blipFill>
         <p:spPr>
           <a:xfrm>
-            <a:off x="0" y="10"/>
+            <a:off x="21" y="10"/>
             <a:ext cx="12191979" cy="6857990"/>
           </a:xfrm>
           <a:prstGeom prst="rect">
@@ -5527,7 +5323,7 @@
                 <a16:creationId xmlns:a16="http://schemas.microsoft.com/office/drawing/2014/main" id="{F5380E9A-163E-4576-BCDD-0A450B7E9097}"/>
               </a:ext>
               <a:ext uri="{C183D7F6-B498-43B3-948B-1728B52AA6E4}">
-                <adec:decorative xmlns:adec="http://schemas.microsoft.com/office/drawing/2017/decorative" xmlns="" val="1"/>
+                <adec:decorative xmlns:adec="http://schemas.microsoft.com/office/drawing/2017/decorative" val="1"/>
               </a:ext>
             </a:extLst>
           </p:cNvPr>
@@ -5584,7 +5380,7 @@
                 <a16:creationId xmlns:a16="http://schemas.microsoft.com/office/drawing/2014/main" id="{88DDEF77-9746-4D83-91F9-442A2487E666}"/>
               </a:ext>
               <a:ext uri="{C183D7F6-B498-43B3-948B-1728B52AA6E4}">
-                <adec:decorative xmlns:adec="http://schemas.microsoft.com/office/drawing/2017/decorative" xmlns="" val="1"/>
+                <adec:decorative xmlns:adec="http://schemas.microsoft.com/office/drawing/2017/decorative" val="1"/>
               </a:ext>
             </a:extLst>
           </p:cNvPr>
@@ -5649,7 +5445,7 @@
         </p:nvSpPr>
         <p:spPr>
           <a:xfrm>
-            <a:off x="4559610" y="237744"/>
+            <a:off x="4578860" y="2445645"/>
             <a:ext cx="7055141" cy="2862322"/>
           </a:xfrm>
           <a:prstGeom prst="rect">
@@ -5666,12 +5462,12 @@
             <a:endParaRPr lang="pt-BR" dirty="0"/>
           </a:p>
           <a:p>
-            <a:r>
-              <a:rPr lang="pt-BR" dirty="0"/>
-              <a:t> </a:t>
-            </a:r>
-            <a:r>
-              <a:rPr lang="pt-BR" sz="3600" dirty="0">
+            <a:pPr marL="285750" indent="-285750">
+              <a:buFont typeface="Arial" panose="020B0604020202020204" pitchFamily="34" charset="0"/>
+              <a:buChar char="•"/>
+            </a:pPr>
+            <a:r>
+              <a:rPr lang="pt-BR" dirty="0">
                 <a:solidFill>
                   <a:schemeClr val="tx1">
                     <a:lumMod val="75000"/>
@@ -5682,22 +5478,9 @@
               </a:rPr>
               <a:t>Identificação do Problema</a:t>
             </a:r>
-            <a:endParaRPr lang="pt-BR" sz="3600" dirty="0">
+            <a:endParaRPr lang="pt-BR" dirty="0">
               <a:latin typeface="+mj-lt"/>
             </a:endParaRPr>
-          </a:p>
-          <a:p>
-            <a:endParaRPr lang="pt-BR" dirty="0"/>
-          </a:p>
-          <a:p>
-            <a:pPr marL="285750" indent="-285750">
-              <a:buFont typeface="Arial" panose="020B0604020202020204" pitchFamily="34" charset="0"/>
-              <a:buChar char="•"/>
-            </a:pPr>
-            <a:r>
-              <a:rPr lang="pt-BR" dirty="0"/>
-              <a:t>Onde está o problema/ qual o problema?</a:t>
-            </a:r>
           </a:p>
           <a:p>
             <a:pPr marL="285750" indent="-285750">
@@ -5712,8 +5495,15 @@
               <a:buChar char="•"/>
             </a:pPr>
             <a:r>
-              <a:rPr lang="pt-BR" dirty="0"/>
-              <a:t>Quem sofre com este problema ?</a:t>
+              <a:rPr lang="pt-BR" dirty="0">
+                <a:solidFill>
+                  <a:schemeClr val="tx1">
+                    <a:lumMod val="75000"/>
+                    <a:lumOff val="25000"/>
+                  </a:schemeClr>
+                </a:solidFill>
+              </a:rPr>
+              <a:t>Aspectos Econômicos</a:t>
             </a:r>
           </a:p>
           <a:p>
@@ -5721,7 +5511,14 @@
               <a:buFont typeface="Arial" panose="020B0604020202020204" pitchFamily="34" charset="0"/>
               <a:buChar char="•"/>
             </a:pPr>
-            <a:endParaRPr lang="pt-BR" dirty="0"/>
+            <a:endParaRPr lang="pt-BR" dirty="0">
+              <a:solidFill>
+                <a:schemeClr val="tx1">
+                  <a:lumMod val="75000"/>
+                  <a:lumOff val="25000"/>
+                </a:schemeClr>
+              </a:solidFill>
+            </a:endParaRPr>
           </a:p>
           <a:p>
             <a:pPr marL="285750" indent="-285750">
@@ -5729,12 +5526,114 @@
               <a:buChar char="•"/>
             </a:pPr>
             <a:r>
-              <a:rPr lang="pt-BR" dirty="0"/>
-              <a:t> O problema tende a aumentar ou diminuir?</a:t>
-            </a:r>
-          </a:p>
-          <a:p>
+              <a:rPr lang="pt-BR" dirty="0">
+                <a:solidFill>
+                  <a:schemeClr val="tx1">
+                    <a:lumMod val="75000"/>
+                    <a:lumOff val="25000"/>
+                  </a:schemeClr>
+                </a:solidFill>
+              </a:rPr>
+              <a:t>Sustentabilidade</a:t>
+            </a:r>
+          </a:p>
+          <a:p>
+            <a:pPr marL="285750" indent="-285750">
+              <a:buFont typeface="Arial" panose="020B0604020202020204" pitchFamily="34" charset="0"/>
+              <a:buChar char="•"/>
+            </a:pPr>
+            <a:endParaRPr lang="pt-BR" dirty="0">
+              <a:solidFill>
+                <a:schemeClr val="tx1">
+                  <a:lumMod val="75000"/>
+                  <a:lumOff val="25000"/>
+                </a:schemeClr>
+              </a:solidFill>
+            </a:endParaRPr>
+          </a:p>
+          <a:p>
+            <a:pPr marL="285750" indent="-285750">
+              <a:buFont typeface="Arial" panose="020B0604020202020204" pitchFamily="34" charset="0"/>
+              <a:buChar char="•"/>
+            </a:pPr>
+            <a:r>
+              <a:rPr lang="pt-BR" dirty="0">
+                <a:solidFill>
+                  <a:schemeClr val="tx1">
+                    <a:lumMod val="75000"/>
+                    <a:lumOff val="25000"/>
+                  </a:schemeClr>
+                </a:solidFill>
+              </a:rPr>
+              <a:t>Tecnologias Envolvidas </a:t>
+            </a:r>
+          </a:p>
+          <a:p>
+            <a:pPr marL="285750" indent="-285750">
+              <a:buFont typeface="Arial" panose="020B0604020202020204" pitchFamily="34" charset="0"/>
+              <a:buChar char="•"/>
+            </a:pPr>
+            <a:endParaRPr lang="pt-BR" dirty="0">
+              <a:solidFill>
+                <a:schemeClr val="tx1">
+                  <a:lumMod val="75000"/>
+                  <a:lumOff val="25000"/>
+                </a:schemeClr>
+              </a:solidFill>
+            </a:endParaRPr>
+          </a:p>
+          <a:p>
+            <a:pPr marL="285750" indent="-285750">
+              <a:buFont typeface="Arial" panose="020B0604020202020204" pitchFamily="34" charset="0"/>
+              <a:buChar char="•"/>
+            </a:pPr>
+            <a:r>
+              <a:rPr lang="pt-BR" dirty="0">
+                <a:solidFill>
+                  <a:schemeClr val="tx1">
+                    <a:lumMod val="75000"/>
+                    <a:lumOff val="25000"/>
+                  </a:schemeClr>
+                </a:solidFill>
+              </a:rPr>
+              <a:t>Solução</a:t>
+            </a:r>
             <a:endParaRPr lang="pt-BR" dirty="0"/>
+          </a:p>
+        </p:txBody>
+      </p:sp>
+      <p:sp>
+        <p:nvSpPr>
+          <p:cNvPr id="2" name="CaixaDeTexto 1">
+            <a:extLst>
+              <a:ext uri="{FF2B5EF4-FFF2-40B4-BE49-F238E27FC236}">
+                <a16:creationId xmlns:a16="http://schemas.microsoft.com/office/drawing/2014/main" id="{A33D1709-7208-4C4D-B996-709141571DEC}"/>
+              </a:ext>
+            </a:extLst>
+          </p:cNvPr>
+          <p:cNvSpPr txBox="1"/>
+          <p:nvPr/>
+        </p:nvSpPr>
+        <p:spPr>
+          <a:xfrm>
+            <a:off x="5671930" y="1139687"/>
+            <a:ext cx="3896140" cy="646331"/>
+          </a:xfrm>
+          <a:prstGeom prst="rect">
+            <a:avLst/>
+          </a:prstGeom>
+          <a:noFill/>
+        </p:spPr>
+        <p:txBody>
+          <a:bodyPr wrap="square" rtlCol="0">
+            <a:spAutoFit/>
+          </a:bodyPr>
+          <a:lstStyle/>
+          <a:p>
+            <a:r>
+              <a:rPr lang="pt-BR" sz="3600" dirty="0"/>
+              <a:t>Contextualização</a:t>
+            </a:r>
           </a:p>
         </p:txBody>
       </p:sp>
@@ -5831,7 +5730,7 @@
                 <a16:creationId xmlns:a16="http://schemas.microsoft.com/office/drawing/2014/main" id="{F5380E9A-163E-4576-BCDD-0A450B7E9097}"/>
               </a:ext>
               <a:ext uri="{C183D7F6-B498-43B3-948B-1728B52AA6E4}">
-                <adec:decorative xmlns:adec="http://schemas.microsoft.com/office/drawing/2017/decorative" xmlns="" val="1"/>
+                <adec:decorative xmlns:adec="http://schemas.microsoft.com/office/drawing/2017/decorative" val="1"/>
               </a:ext>
             </a:extLst>
           </p:cNvPr>
@@ -5888,7 +5787,7 @@
                 <a16:creationId xmlns:a16="http://schemas.microsoft.com/office/drawing/2014/main" id="{88DDEF77-9746-4D83-91F9-442A2487E666}"/>
               </a:ext>
               <a:ext uri="{C183D7F6-B498-43B3-948B-1728B52AA6E4}">
-                <adec:decorative xmlns:adec="http://schemas.microsoft.com/office/drawing/2017/decorative" xmlns="" val="1"/>
+                <adec:decorative xmlns:adec="http://schemas.microsoft.com/office/drawing/2017/decorative" val="1"/>
               </a:ext>
             </a:extLst>
           </p:cNvPr>
@@ -6196,7 +6095,7 @@
                 <a16:creationId xmlns:a16="http://schemas.microsoft.com/office/drawing/2014/main" id="{F5380E9A-163E-4576-BCDD-0A450B7E9097}"/>
               </a:ext>
               <a:ext uri="{C183D7F6-B498-43B3-948B-1728B52AA6E4}">
-                <adec:decorative xmlns:adec="http://schemas.microsoft.com/office/drawing/2017/decorative" xmlns="" val="1"/>
+                <adec:decorative xmlns:adec="http://schemas.microsoft.com/office/drawing/2017/decorative" val="1"/>
               </a:ext>
             </a:extLst>
           </p:cNvPr>
@@ -6253,7 +6152,7 @@
                 <a16:creationId xmlns:a16="http://schemas.microsoft.com/office/drawing/2014/main" id="{88DDEF77-9746-4D83-91F9-442A2487E666}"/>
               </a:ext>
               <a:ext uri="{C183D7F6-B498-43B3-948B-1728B52AA6E4}">
-                <adec:decorative xmlns:adec="http://schemas.microsoft.com/office/drawing/2017/decorative" xmlns="" val="1"/>
+                <adec:decorative xmlns:adec="http://schemas.microsoft.com/office/drawing/2017/decorative" val="1"/>
               </a:ext>
             </a:extLst>
           </p:cNvPr>
@@ -6322,7 +6221,7 @@
         </p:nvSpPr>
         <p:spPr>
           <a:xfrm>
-            <a:off x="4588972" y="405251"/>
+            <a:off x="4563611" y="391999"/>
             <a:ext cx="6718433" cy="937803"/>
           </a:xfrm>
         </p:spPr>
@@ -6342,7 +6241,7 @@
                   </a:schemeClr>
                 </a:solidFill>
               </a:rPr>
-              <a:t>Tendências / Futuro </a:t>
+              <a:t>Sustentabilidade </a:t>
             </a:r>
             <a:endParaRPr lang="en-US" dirty="0">
               <a:solidFill>
@@ -6360,7 +6259,7 @@
           <p:cNvPr id="3" name="CaixaDeTexto 2">
             <a:extLst>
               <a:ext uri="{FF2B5EF4-FFF2-40B4-BE49-F238E27FC236}">
-                <a16:creationId xmlns:a16="http://schemas.microsoft.com/office/drawing/2014/main" id="{812F0F52-29A5-49B1-B02B-BC35DE9DA829}"/>
+                <a16:creationId xmlns:a16="http://schemas.microsoft.com/office/drawing/2014/main" id="{A8A37FB7-8A30-41EE-8260-CCC77632CF76}"/>
               </a:ext>
             </a:extLst>
           </p:cNvPr>
@@ -6369,8 +6268,8 @@
         </p:nvSpPr>
         <p:spPr>
           <a:xfrm>
-            <a:off x="4588972" y="1312707"/>
-            <a:ext cx="6996418" cy="2585323"/>
+            <a:off x="4563611" y="1526796"/>
+            <a:ext cx="7088697" cy="1754326"/>
           </a:xfrm>
           <a:prstGeom prst="rect">
             <a:avLst/>
@@ -6383,62 +6282,51 @@
           </a:bodyPr>
           <a:lstStyle/>
           <a:p>
-            <a:pPr marL="285750" indent="-285750">
+            <a:pPr algn="just"/>
+            <a:endParaRPr lang="pt-BR" dirty="0"/>
+          </a:p>
+          <a:p>
+            <a:pPr marL="285750" indent="-285750" algn="just">
               <a:buFont typeface="Arial" panose="020B0604020202020204" pitchFamily="34" charset="0"/>
               <a:buChar char="•"/>
             </a:pPr>
             <a:r>
               <a:rPr lang="pt-BR" dirty="0"/>
-              <a:t>softwares de soluções inteligentes</a:t>
-            </a:r>
-          </a:p>
-          <a:p>
-            <a:pPr marL="285750" indent="-285750">
+              <a:t>Diminuição dos resíduos de medicamentos</a:t>
+            </a:r>
+          </a:p>
+          <a:p>
+            <a:pPr marL="285750" indent="-285750" algn="just">
               <a:buFont typeface="Arial" panose="020B0604020202020204" pitchFamily="34" charset="0"/>
               <a:buChar char="•"/>
             </a:pPr>
             <a:endParaRPr lang="pt-BR" dirty="0"/>
           </a:p>
           <a:p>
-            <a:pPr marL="285750" indent="-285750">
+            <a:pPr marL="285750" indent="-285750" algn="just">
               <a:buFont typeface="Arial" panose="020B0604020202020204" pitchFamily="34" charset="0"/>
               <a:buChar char="•"/>
             </a:pPr>
             <a:r>
               <a:rPr lang="pt-BR" dirty="0"/>
-              <a:t>drones de mapeamento</a:t>
-            </a:r>
-          </a:p>
-          <a:p>
-            <a:pPr marL="285750" indent="-285750">
+              <a:t>Impacto no meio ambiente </a:t>
+            </a:r>
+          </a:p>
+          <a:p>
+            <a:pPr marL="285750" indent="-285750" algn="just">
               <a:buFont typeface="Arial" panose="020B0604020202020204" pitchFamily="34" charset="0"/>
               <a:buChar char="•"/>
             </a:pPr>
             <a:endParaRPr lang="pt-BR" dirty="0"/>
           </a:p>
           <a:p>
-            <a:pPr marL="285750" indent="-285750">
+            <a:pPr marL="285750" indent="-285750" algn="just">
               <a:buFont typeface="Arial" panose="020B0604020202020204" pitchFamily="34" charset="0"/>
               <a:buChar char="•"/>
             </a:pPr>
             <a:r>
               <a:rPr lang="pt-BR" dirty="0"/>
-              <a:t>biotecnologia e variações de layouts para plantações</a:t>
-            </a:r>
-          </a:p>
-          <a:p>
-            <a:endParaRPr lang="pt-BR" dirty="0"/>
-          </a:p>
-          <a:p>
-            <a:endParaRPr lang="pt-BR" dirty="0"/>
-          </a:p>
-          <a:p>
-            <a:endParaRPr lang="pt-BR" dirty="0"/>
-          </a:p>
-          <a:p>
-            <a:r>
-              <a:rPr lang="pt-BR" dirty="0"/>
-              <a:t> </a:t>
+              <a:t>Benefícios para a saúde  </a:t>
             </a:r>
           </a:p>
         </p:txBody>
@@ -6446,7 +6334,7 @@
     </p:spTree>
     <p:extLst>
       <p:ext uri="{BB962C8B-B14F-4D97-AF65-F5344CB8AC3E}">
-        <p14:creationId xmlns:p14="http://schemas.microsoft.com/office/powerpoint/2010/main" val="18172473"/>
+        <p14:creationId xmlns:p14="http://schemas.microsoft.com/office/powerpoint/2010/main" val="4037067130"/>
       </p:ext>
     </p:extLst>
   </p:cSld>
@@ -6536,7 +6424,7 @@
                 <a16:creationId xmlns:a16="http://schemas.microsoft.com/office/drawing/2014/main" id="{F5380E9A-163E-4576-BCDD-0A450B7E9097}"/>
               </a:ext>
               <a:ext uri="{C183D7F6-B498-43B3-948B-1728B52AA6E4}">
-                <adec:decorative xmlns:adec="http://schemas.microsoft.com/office/drawing/2017/decorative" xmlns="" val="1"/>
+                <adec:decorative xmlns:adec="http://schemas.microsoft.com/office/drawing/2017/decorative" val="1"/>
               </a:ext>
             </a:extLst>
           </p:cNvPr>
@@ -6593,7 +6481,7 @@
                 <a16:creationId xmlns:a16="http://schemas.microsoft.com/office/drawing/2014/main" id="{88DDEF77-9746-4D83-91F9-442A2487E666}"/>
               </a:ext>
               <a:ext uri="{C183D7F6-B498-43B3-948B-1728B52AA6E4}">
-                <adec:decorative xmlns:adec="http://schemas.microsoft.com/office/drawing/2017/decorative" xmlns="" val="1"/>
+                <adec:decorative xmlns:adec="http://schemas.microsoft.com/office/drawing/2017/decorative" val="1"/>
               </a:ext>
             </a:extLst>
           </p:cNvPr>
@@ -6662,666 +6550,6 @@
         </p:nvSpPr>
         <p:spPr>
           <a:xfrm>
-            <a:off x="4563611" y="391999"/>
-            <a:ext cx="6718433" cy="937803"/>
-          </a:xfrm>
-        </p:spPr>
-        <p:txBody>
-          <a:bodyPr rtlCol="0">
-            <a:normAutofit/>
-          </a:bodyPr>
-          <a:lstStyle/>
-          <a:p>
-            <a:pPr rtl="0"/>
-            <a:r>
-              <a:rPr lang="pt-BR" dirty="0">
-                <a:solidFill>
-                  <a:schemeClr val="tx1">
-                    <a:lumMod val="75000"/>
-                    <a:lumOff val="25000"/>
-                  </a:schemeClr>
-                </a:solidFill>
-              </a:rPr>
-              <a:t>Sustentabilidade </a:t>
-            </a:r>
-            <a:endParaRPr lang="en-US" dirty="0">
-              <a:solidFill>
-                <a:schemeClr val="tx1">
-                  <a:lumMod val="75000"/>
-                  <a:lumOff val="25000"/>
-                </a:schemeClr>
-              </a:solidFill>
-            </a:endParaRPr>
-          </a:p>
-        </p:txBody>
-      </p:sp>
-      <p:sp>
-        <p:nvSpPr>
-          <p:cNvPr id="3" name="CaixaDeTexto 2">
-            <a:extLst>
-              <a:ext uri="{FF2B5EF4-FFF2-40B4-BE49-F238E27FC236}">
-                <a16:creationId xmlns:a16="http://schemas.microsoft.com/office/drawing/2014/main" id="{A8A37FB7-8A30-41EE-8260-CCC77632CF76}"/>
-              </a:ext>
-            </a:extLst>
-          </p:cNvPr>
-          <p:cNvSpPr txBox="1"/>
-          <p:nvPr/>
-        </p:nvSpPr>
-        <p:spPr>
-          <a:xfrm>
-            <a:off x="4563611" y="1526796"/>
-            <a:ext cx="7088697" cy="1754326"/>
-          </a:xfrm>
-          <a:prstGeom prst="rect">
-            <a:avLst/>
-          </a:prstGeom>
-          <a:noFill/>
-        </p:spPr>
-        <p:txBody>
-          <a:bodyPr wrap="square" rtlCol="0">
-            <a:spAutoFit/>
-          </a:bodyPr>
-          <a:lstStyle/>
-          <a:p>
-            <a:pPr algn="just"/>
-            <a:endParaRPr lang="pt-BR" dirty="0"/>
-          </a:p>
-          <a:p>
-            <a:pPr marL="285750" indent="-285750" algn="just">
-              <a:buFont typeface="Arial" panose="020B0604020202020204" pitchFamily="34" charset="0"/>
-              <a:buChar char="•"/>
-            </a:pPr>
-            <a:r>
-              <a:rPr lang="pt-BR" dirty="0"/>
-              <a:t>Diminuição dos resíduos de medicamentos</a:t>
-            </a:r>
-          </a:p>
-          <a:p>
-            <a:pPr marL="285750" indent="-285750" algn="just">
-              <a:buFont typeface="Arial" panose="020B0604020202020204" pitchFamily="34" charset="0"/>
-              <a:buChar char="•"/>
-            </a:pPr>
-            <a:endParaRPr lang="pt-BR" dirty="0"/>
-          </a:p>
-          <a:p>
-            <a:pPr marL="285750" indent="-285750" algn="just">
-              <a:buFont typeface="Arial" panose="020B0604020202020204" pitchFamily="34" charset="0"/>
-              <a:buChar char="•"/>
-            </a:pPr>
-            <a:r>
-              <a:rPr lang="pt-BR" dirty="0"/>
-              <a:t>Impacto no meio ambiente </a:t>
-            </a:r>
-          </a:p>
-          <a:p>
-            <a:pPr marL="285750" indent="-285750" algn="just">
-              <a:buFont typeface="Arial" panose="020B0604020202020204" pitchFamily="34" charset="0"/>
-              <a:buChar char="•"/>
-            </a:pPr>
-            <a:endParaRPr lang="pt-BR" dirty="0"/>
-          </a:p>
-          <a:p>
-            <a:pPr marL="285750" indent="-285750" algn="just">
-              <a:buFont typeface="Arial" panose="020B0604020202020204" pitchFamily="34" charset="0"/>
-              <a:buChar char="•"/>
-            </a:pPr>
-            <a:r>
-              <a:rPr lang="pt-BR" dirty="0"/>
-              <a:t>Benefícios para a saúde  </a:t>
-            </a:r>
-          </a:p>
-        </p:txBody>
-      </p:sp>
-    </p:spTree>
-    <p:extLst>
-      <p:ext uri="{BB962C8B-B14F-4D97-AF65-F5344CB8AC3E}">
-        <p14:creationId xmlns:p14="http://schemas.microsoft.com/office/powerpoint/2010/main" val="4037067130"/>
-      </p:ext>
-    </p:extLst>
-  </p:cSld>
-  <p:clrMapOvr>
-    <a:overrideClrMapping bg1="lt1" tx1="dk1" bg2="lt2" tx2="dk2" accent1="accent1" accent2="accent2" accent3="accent3" accent4="accent4" accent5="accent5" accent6="accent6" hlink="hlink" folHlink="folHlink"/>
-  </p:clrMapOvr>
-  <mc:AlternateContent xmlns:mc="http://schemas.openxmlformats.org/markup-compatibility/2006" xmlns:p15="http://schemas.microsoft.com/office/powerpoint/2012/main">
-    <mc:Choice Requires="p15">
-      <p:transition spd="slow">
-        <p15:prstTrans prst="fallOver"/>
-      </p:transition>
-    </mc:Choice>
-    <mc:Fallback xmlns="">
-      <p:transition spd="slow">
-        <p:fade/>
-      </p:transition>
-    </mc:Fallback>
-  </mc:AlternateContent>
-</p:sld>
-</file>
-
-<file path=ppt/slides/slide6.xml><?xml version="1.0" encoding="utf-8"?>
-<p:sld xmlns:a="http://schemas.openxmlformats.org/drawingml/2006/main" xmlns:r="http://schemas.openxmlformats.org/officeDocument/2006/relationships" xmlns:p="http://schemas.openxmlformats.org/presentationml/2006/main">
-  <p:cSld>
-    <p:bg>
-      <p:bgPr>
-        <a:solidFill>
-          <a:schemeClr val="bg1"/>
-        </a:solidFill>
-        <a:effectLst/>
-      </p:bgPr>
-    </p:bg>
-    <p:spTree>
-      <p:nvGrpSpPr>
-        <p:cNvPr id="1" name=""/>
-        <p:cNvGrpSpPr/>
-        <p:nvPr/>
-      </p:nvGrpSpPr>
-      <p:grpSpPr>
-        <a:xfrm>
-          <a:off x="0" y="0"/>
-          <a:ext cx="0" cy="0"/>
-          <a:chOff x="0" y="0"/>
-          <a:chExt cx="0" cy="0"/>
-        </a:xfrm>
-      </p:grpSpPr>
-      <p:pic>
-        <p:nvPicPr>
-          <p:cNvPr id="4" name="Imagem 3" descr="Uma imagem contendo malha, mesa, vermelha, coberta&#10;&#10;Descrição gerada automaticamente">
-            <a:extLst>
-              <a:ext uri="{FF2B5EF4-FFF2-40B4-BE49-F238E27FC236}">
-                <a16:creationId xmlns:a16="http://schemas.microsoft.com/office/drawing/2014/main" id="{5C002EE5-E4FF-463C-8DAA-9AC0B6D407FF}"/>
-              </a:ext>
-            </a:extLst>
-          </p:cNvPr>
-          <p:cNvPicPr>
-            <a:picLocks noChangeAspect="1"/>
-          </p:cNvPicPr>
-          <p:nvPr/>
-        </p:nvPicPr>
-        <p:blipFill rotWithShape="1">
-          <a:blip r:embed="rId2">
-            <a:extLst>
-              <a:ext uri="{28A0092B-C50C-407E-A947-70E740481C1C}">
-                <a14:useLocalDpi xmlns:a14="http://schemas.microsoft.com/office/drawing/2010/main" val="0"/>
-              </a:ext>
-            </a:extLst>
-          </a:blip>
-          <a:srcRect/>
-          <a:stretch/>
-        </p:blipFill>
-        <p:spPr>
-          <a:xfrm>
-            <a:off x="21" y="0"/>
-            <a:ext cx="12191979" cy="6857990"/>
-          </a:xfrm>
-          <a:prstGeom prst="rect">
-            <a:avLst/>
-          </a:prstGeom>
-        </p:spPr>
-      </p:pic>
-      <p:sp>
-        <p:nvSpPr>
-          <p:cNvPr id="29" name="Retângulo 22">
-            <a:extLst>
-              <a:ext uri="{FF2B5EF4-FFF2-40B4-BE49-F238E27FC236}">
-                <a16:creationId xmlns:a16="http://schemas.microsoft.com/office/drawing/2014/main" id="{F5380E9A-163E-4576-BCDD-0A450B7E9097}"/>
-              </a:ext>
-              <a:ext uri="{C183D7F6-B498-43B3-948B-1728B52AA6E4}">
-                <adec:decorative xmlns:adec="http://schemas.microsoft.com/office/drawing/2017/decorative" xmlns="" val="1"/>
-              </a:ext>
-            </a:extLst>
-          </p:cNvPr>
-          <p:cNvSpPr>
-            <a:spLocks noGrp="1" noRot="1" noChangeAspect="1" noMove="1" noResize="1" noEditPoints="1" noAdjustHandles="1" noChangeArrowheads="1" noChangeShapeType="1" noTextEdit="1"/>
-          </p:cNvSpPr>
-          <p:nvPr>
-            <p:extLst>
-              <p:ext uri="{386F3935-93C4-4BCD-93E2-E3B085C9AB24}">
-                <p16:designElem xmlns:p16="http://schemas.microsoft.com/office/powerpoint/2015/main" val="1"/>
-              </p:ext>
-            </p:extLst>
-          </p:nvPr>
-        </p:nvSpPr>
-        <p:spPr>
-          <a:xfrm>
-            <a:off x="4279943" y="237744"/>
-            <a:ext cx="7652977" cy="6382512"/>
-          </a:xfrm>
-          <a:prstGeom prst="rect">
-            <a:avLst/>
-          </a:prstGeom>
-          <a:solidFill>
-            <a:schemeClr val="bg1">
-              <a:alpha val="94000"/>
-            </a:schemeClr>
-          </a:solidFill>
-          <a:ln>
-            <a:noFill/>
-          </a:ln>
-        </p:spPr>
-        <p:style>
-          <a:lnRef idx="2">
-            <a:schemeClr val="accent1">
-              <a:shade val="50000"/>
-            </a:schemeClr>
-          </a:lnRef>
-          <a:fillRef idx="1">
-            <a:schemeClr val="accent1"/>
-          </a:fillRef>
-          <a:effectRef idx="0">
-            <a:schemeClr val="accent1"/>
-          </a:effectRef>
-          <a:fontRef idx="minor">
-            <a:schemeClr val="lt1"/>
-          </a:fontRef>
-        </p:style>
-      </p:sp>
-      <p:sp>
-        <p:nvSpPr>
-          <p:cNvPr id="30" name="Retângulo 24">
-            <a:extLst>
-              <a:ext uri="{FF2B5EF4-FFF2-40B4-BE49-F238E27FC236}">
-                <a16:creationId xmlns:a16="http://schemas.microsoft.com/office/drawing/2014/main" id="{88DDEF77-9746-4D83-91F9-442A2487E666}"/>
-              </a:ext>
-              <a:ext uri="{C183D7F6-B498-43B3-948B-1728B52AA6E4}">
-                <adec:decorative xmlns:adec="http://schemas.microsoft.com/office/drawing/2017/decorative" xmlns="" val="1"/>
-              </a:ext>
-            </a:extLst>
-          </p:cNvPr>
-          <p:cNvSpPr>
-            <a:spLocks noGrp="1" noRot="1" noChangeAspect="1" noMove="1" noResize="1" noEditPoints="1" noAdjustHandles="1" noChangeArrowheads="1" noChangeShapeType="1" noTextEdit="1"/>
-          </p:cNvSpPr>
-          <p:nvPr>
-            <p:extLst>
-              <p:ext uri="{386F3935-93C4-4BCD-93E2-E3B085C9AB24}">
-                <p16:designElem xmlns:p16="http://schemas.microsoft.com/office/powerpoint/2015/main" val="1"/>
-              </p:ext>
-            </p:extLst>
-          </p:nvPr>
-        </p:nvSpPr>
-        <p:spPr>
-          <a:xfrm>
-            <a:off x="4417103" y="374904"/>
-            <a:ext cx="7340156" cy="6108192"/>
-          </a:xfrm>
-          <a:prstGeom prst="rect">
-            <a:avLst/>
-          </a:prstGeom>
-          <a:noFill/>
-          <a:ln w="6350" cap="sq">
-            <a:solidFill>
-              <a:schemeClr val="tx1">
-                <a:lumMod val="65000"/>
-                <a:lumOff val="35000"/>
-              </a:schemeClr>
-            </a:solidFill>
-            <a:miter lim="800000"/>
-          </a:ln>
-        </p:spPr>
-        <p:style>
-          <a:lnRef idx="2">
-            <a:schemeClr val="accent1">
-              <a:shade val="50000"/>
-            </a:schemeClr>
-          </a:lnRef>
-          <a:fillRef idx="1">
-            <a:schemeClr val="accent1"/>
-          </a:fillRef>
-          <a:effectRef idx="0">
-            <a:schemeClr val="accent1"/>
-          </a:effectRef>
-          <a:fontRef idx="minor">
-            <a:schemeClr val="lt1"/>
-          </a:fontRef>
-        </p:style>
-      </p:sp>
-      <p:sp>
-        <p:nvSpPr>
-          <p:cNvPr id="2" name="Título 1">
-            <a:extLst>
-              <a:ext uri="{FF2B5EF4-FFF2-40B4-BE49-F238E27FC236}">
-                <a16:creationId xmlns:a16="http://schemas.microsoft.com/office/drawing/2014/main" id="{92C9295F-E638-4F61-AFE2-CF3E40556031}"/>
-              </a:ext>
-            </a:extLst>
-          </p:cNvPr>
-          <p:cNvSpPr>
-            <a:spLocks noGrp="1"/>
-          </p:cNvSpPr>
-          <p:nvPr>
-            <p:ph type="title"/>
-          </p:nvPr>
-        </p:nvSpPr>
-        <p:spPr>
-          <a:xfrm>
-            <a:off x="4521666" y="378747"/>
-            <a:ext cx="6718433" cy="937803"/>
-          </a:xfrm>
-        </p:spPr>
-        <p:txBody>
-          <a:bodyPr rtlCol="0">
-            <a:normAutofit/>
-          </a:bodyPr>
-          <a:lstStyle/>
-          <a:p>
-            <a:pPr rtl="0"/>
-            <a:r>
-              <a:rPr lang="pt-BR" dirty="0">
-                <a:solidFill>
-                  <a:schemeClr val="tx1">
-                    <a:lumMod val="75000"/>
-                    <a:lumOff val="25000"/>
-                  </a:schemeClr>
-                </a:solidFill>
-              </a:rPr>
-              <a:t>Demanda de Mercado </a:t>
-            </a:r>
-            <a:endParaRPr lang="en-US" dirty="0">
-              <a:solidFill>
-                <a:schemeClr val="tx1">
-                  <a:lumMod val="75000"/>
-                  <a:lumOff val="25000"/>
-                </a:schemeClr>
-              </a:solidFill>
-            </a:endParaRPr>
-          </a:p>
-        </p:txBody>
-      </p:sp>
-      <p:sp>
-        <p:nvSpPr>
-          <p:cNvPr id="3" name="CaixaDeTexto 2">
-            <a:extLst>
-              <a:ext uri="{FF2B5EF4-FFF2-40B4-BE49-F238E27FC236}">
-                <a16:creationId xmlns:a16="http://schemas.microsoft.com/office/drawing/2014/main" id="{095C614B-C012-4C07-B597-276CBD500CC2}"/>
-              </a:ext>
-            </a:extLst>
-          </p:cNvPr>
-          <p:cNvSpPr txBox="1"/>
-          <p:nvPr/>
-        </p:nvSpPr>
-        <p:spPr>
-          <a:xfrm>
-            <a:off x="4521666" y="1652631"/>
-            <a:ext cx="7235593" cy="2031325"/>
-          </a:xfrm>
-          <a:prstGeom prst="rect">
-            <a:avLst/>
-          </a:prstGeom>
-          <a:noFill/>
-        </p:spPr>
-        <p:txBody>
-          <a:bodyPr wrap="square" rtlCol="0">
-            <a:spAutoFit/>
-          </a:bodyPr>
-          <a:lstStyle/>
-          <a:p>
-            <a:pPr marL="285750" indent="-285750">
-              <a:buFont typeface="Arial" panose="020B0604020202020204" pitchFamily="34" charset="0"/>
-              <a:buChar char="•"/>
-            </a:pPr>
-            <a:r>
-              <a:rPr lang="pt-BR" dirty="0"/>
-              <a:t>o mercado mundial</a:t>
-            </a:r>
-          </a:p>
-          <a:p>
-            <a:pPr marL="285750" indent="-285750">
-              <a:buFont typeface="Arial" panose="020B0604020202020204" pitchFamily="34" charset="0"/>
-              <a:buChar char="•"/>
-            </a:pPr>
-            <a:endParaRPr lang="pt-BR" dirty="0"/>
-          </a:p>
-          <a:p>
-            <a:pPr marL="285750" indent="-285750">
-              <a:buFont typeface="Arial" panose="020B0604020202020204" pitchFamily="34" charset="0"/>
-              <a:buChar char="•"/>
-            </a:pPr>
-            <a:r>
-              <a:rPr lang="pt-BR" dirty="0"/>
-              <a:t>Usadas na produção de medicamentos fitoterápicos</a:t>
-            </a:r>
-          </a:p>
-          <a:p>
-            <a:pPr marL="285750" indent="-285750">
-              <a:buFont typeface="Arial" panose="020B0604020202020204" pitchFamily="34" charset="0"/>
-              <a:buChar char="•"/>
-            </a:pPr>
-            <a:endParaRPr lang="pt-BR" dirty="0"/>
-          </a:p>
-          <a:p>
-            <a:pPr marL="285750" indent="-285750">
-              <a:buFont typeface="Arial" panose="020B0604020202020204" pitchFamily="34" charset="0"/>
-              <a:buChar char="•"/>
-            </a:pPr>
-            <a:r>
-              <a:rPr lang="pt-BR" dirty="0"/>
-              <a:t>O mercado brasileiro</a:t>
-            </a:r>
-          </a:p>
-          <a:p>
-            <a:endParaRPr lang="pt-BR" dirty="0"/>
-          </a:p>
-          <a:p>
-            <a:endParaRPr lang="pt-BR" dirty="0"/>
-          </a:p>
-        </p:txBody>
-      </p:sp>
-    </p:spTree>
-    <p:extLst>
-      <p:ext uri="{BB962C8B-B14F-4D97-AF65-F5344CB8AC3E}">
-        <p14:creationId xmlns:p14="http://schemas.microsoft.com/office/powerpoint/2010/main" val="1405391019"/>
-      </p:ext>
-    </p:extLst>
-  </p:cSld>
-  <p:clrMapOvr>
-    <a:overrideClrMapping bg1="lt1" tx1="dk1" bg2="lt2" tx2="dk2" accent1="accent1" accent2="accent2" accent3="accent3" accent4="accent4" accent5="accent5" accent6="accent6" hlink="hlink" folHlink="folHlink"/>
-  </p:clrMapOvr>
-  <mc:AlternateContent xmlns:mc="http://schemas.openxmlformats.org/markup-compatibility/2006" xmlns:p15="http://schemas.microsoft.com/office/powerpoint/2012/main">
-    <mc:Choice Requires="p15">
-      <p:transition spd="slow">
-        <p15:prstTrans prst="fallOver"/>
-      </p:transition>
-    </mc:Choice>
-    <mc:Fallback xmlns="">
-      <p:transition spd="slow">
-        <p:fade/>
-      </p:transition>
-    </mc:Fallback>
-  </mc:AlternateContent>
-</p:sld>
-</file>
-
-<file path=ppt/slides/slide7.xml><?xml version="1.0" encoding="utf-8"?>
-<p:sld xmlns:a="http://schemas.openxmlformats.org/drawingml/2006/main" xmlns:r="http://schemas.openxmlformats.org/officeDocument/2006/relationships" xmlns:p="http://schemas.openxmlformats.org/presentationml/2006/main">
-  <p:cSld>
-    <p:bg>
-      <p:bgPr>
-        <a:solidFill>
-          <a:schemeClr val="bg1"/>
-        </a:solidFill>
-        <a:effectLst/>
-      </p:bgPr>
-    </p:bg>
-    <p:spTree>
-      <p:nvGrpSpPr>
-        <p:cNvPr id="1" name=""/>
-        <p:cNvGrpSpPr/>
-        <p:nvPr/>
-      </p:nvGrpSpPr>
-      <p:grpSpPr>
-        <a:xfrm>
-          <a:off x="0" y="0"/>
-          <a:ext cx="0" cy="0"/>
-          <a:chOff x="0" y="0"/>
-          <a:chExt cx="0" cy="0"/>
-        </a:xfrm>
-      </p:grpSpPr>
-      <p:pic>
-        <p:nvPicPr>
-          <p:cNvPr id="4" name="Imagem 3" descr="Uma imagem contendo malha, mesa, vermelha, coberta&#10;&#10;Descrição gerada automaticamente">
-            <a:extLst>
-              <a:ext uri="{FF2B5EF4-FFF2-40B4-BE49-F238E27FC236}">
-                <a16:creationId xmlns:a16="http://schemas.microsoft.com/office/drawing/2014/main" id="{5C002EE5-E4FF-463C-8DAA-9AC0B6D407FF}"/>
-              </a:ext>
-            </a:extLst>
-          </p:cNvPr>
-          <p:cNvPicPr>
-            <a:picLocks noChangeAspect="1"/>
-          </p:cNvPicPr>
-          <p:nvPr/>
-        </p:nvPicPr>
-        <p:blipFill rotWithShape="1">
-          <a:blip r:embed="rId2">
-            <a:extLst>
-              <a:ext uri="{28A0092B-C50C-407E-A947-70E740481C1C}">
-                <a14:useLocalDpi xmlns:a14="http://schemas.microsoft.com/office/drawing/2010/main" val="0"/>
-              </a:ext>
-            </a:extLst>
-          </a:blip>
-          <a:srcRect/>
-          <a:stretch/>
-        </p:blipFill>
-        <p:spPr>
-          <a:xfrm>
-            <a:off x="21" y="0"/>
-            <a:ext cx="12191979" cy="6857990"/>
-          </a:xfrm>
-          <a:prstGeom prst="rect">
-            <a:avLst/>
-          </a:prstGeom>
-        </p:spPr>
-      </p:pic>
-      <p:sp>
-        <p:nvSpPr>
-          <p:cNvPr id="29" name="Retângulo 22">
-            <a:extLst>
-              <a:ext uri="{FF2B5EF4-FFF2-40B4-BE49-F238E27FC236}">
-                <a16:creationId xmlns:a16="http://schemas.microsoft.com/office/drawing/2014/main" id="{F5380E9A-163E-4576-BCDD-0A450B7E9097}"/>
-              </a:ext>
-              <a:ext uri="{C183D7F6-B498-43B3-948B-1728B52AA6E4}">
-                <adec:decorative xmlns:adec="http://schemas.microsoft.com/office/drawing/2017/decorative" xmlns="" val="1"/>
-              </a:ext>
-            </a:extLst>
-          </p:cNvPr>
-          <p:cNvSpPr>
-            <a:spLocks noGrp="1" noRot="1" noChangeAspect="1" noMove="1" noResize="1" noEditPoints="1" noAdjustHandles="1" noChangeArrowheads="1" noChangeShapeType="1" noTextEdit="1"/>
-          </p:cNvSpPr>
-          <p:nvPr>
-            <p:extLst>
-              <p:ext uri="{386F3935-93C4-4BCD-93E2-E3B085C9AB24}">
-                <p16:designElem xmlns:p16="http://schemas.microsoft.com/office/powerpoint/2015/main" val="1"/>
-              </p:ext>
-            </p:extLst>
-          </p:nvPr>
-        </p:nvSpPr>
-        <p:spPr>
-          <a:xfrm>
-            <a:off x="4279943" y="237744"/>
-            <a:ext cx="7652977" cy="6382512"/>
-          </a:xfrm>
-          <a:prstGeom prst="rect">
-            <a:avLst/>
-          </a:prstGeom>
-          <a:solidFill>
-            <a:schemeClr val="bg1">
-              <a:alpha val="94000"/>
-            </a:schemeClr>
-          </a:solidFill>
-          <a:ln>
-            <a:noFill/>
-          </a:ln>
-        </p:spPr>
-        <p:style>
-          <a:lnRef idx="2">
-            <a:schemeClr val="accent1">
-              <a:shade val="50000"/>
-            </a:schemeClr>
-          </a:lnRef>
-          <a:fillRef idx="1">
-            <a:schemeClr val="accent1"/>
-          </a:fillRef>
-          <a:effectRef idx="0">
-            <a:schemeClr val="accent1"/>
-          </a:effectRef>
-          <a:fontRef idx="minor">
-            <a:schemeClr val="lt1"/>
-          </a:fontRef>
-        </p:style>
-      </p:sp>
-      <p:sp>
-        <p:nvSpPr>
-          <p:cNvPr id="30" name="Retângulo 24">
-            <a:extLst>
-              <a:ext uri="{FF2B5EF4-FFF2-40B4-BE49-F238E27FC236}">
-                <a16:creationId xmlns:a16="http://schemas.microsoft.com/office/drawing/2014/main" id="{88DDEF77-9746-4D83-91F9-442A2487E666}"/>
-              </a:ext>
-              <a:ext uri="{C183D7F6-B498-43B3-948B-1728B52AA6E4}">
-                <adec:decorative xmlns:adec="http://schemas.microsoft.com/office/drawing/2017/decorative" xmlns="" val="1"/>
-              </a:ext>
-            </a:extLst>
-          </p:cNvPr>
-          <p:cNvSpPr>
-            <a:spLocks noGrp="1" noRot="1" noChangeAspect="1" noMove="1" noResize="1" noEditPoints="1" noAdjustHandles="1" noChangeArrowheads="1" noChangeShapeType="1" noTextEdit="1"/>
-          </p:cNvSpPr>
-          <p:nvPr>
-            <p:extLst>
-              <p:ext uri="{386F3935-93C4-4BCD-93E2-E3B085C9AB24}">
-                <p16:designElem xmlns:p16="http://schemas.microsoft.com/office/powerpoint/2015/main" val="1"/>
-              </p:ext>
-            </p:extLst>
-          </p:nvPr>
-        </p:nvSpPr>
-        <p:spPr>
-          <a:xfrm>
-            <a:off x="4417103" y="374904"/>
-            <a:ext cx="7340156" cy="6108192"/>
-          </a:xfrm>
-          <a:prstGeom prst="rect">
-            <a:avLst/>
-          </a:prstGeom>
-          <a:noFill/>
-          <a:ln w="6350" cap="sq">
-            <a:solidFill>
-              <a:schemeClr val="tx1">
-                <a:lumMod val="65000"/>
-                <a:lumOff val="35000"/>
-              </a:schemeClr>
-            </a:solidFill>
-            <a:miter lim="800000"/>
-          </a:ln>
-        </p:spPr>
-        <p:style>
-          <a:lnRef idx="2">
-            <a:schemeClr val="accent1">
-              <a:shade val="50000"/>
-            </a:schemeClr>
-          </a:lnRef>
-          <a:fillRef idx="1">
-            <a:schemeClr val="accent1"/>
-          </a:fillRef>
-          <a:effectRef idx="0">
-            <a:schemeClr val="accent1"/>
-          </a:effectRef>
-          <a:fontRef idx="minor">
-            <a:schemeClr val="lt1"/>
-          </a:fontRef>
-        </p:style>
-      </p:sp>
-      <p:sp>
-        <p:nvSpPr>
-          <p:cNvPr id="2" name="Título 1">
-            <a:extLst>
-              <a:ext uri="{FF2B5EF4-FFF2-40B4-BE49-F238E27FC236}">
-                <a16:creationId xmlns:a16="http://schemas.microsoft.com/office/drawing/2014/main" id="{92C9295F-E638-4F61-AFE2-CF3E40556031}"/>
-              </a:ext>
-            </a:extLst>
-          </p:cNvPr>
-          <p:cNvSpPr>
-            <a:spLocks noGrp="1"/>
-          </p:cNvSpPr>
-          <p:nvPr>
-            <p:ph type="title"/>
-          </p:nvPr>
-        </p:nvSpPr>
-        <p:spPr>
-          <a:xfrm>
             <a:off x="4714614" y="393110"/>
             <a:ext cx="6718433" cy="937803"/>
           </a:xfrm>
@@ -7440,521 +6668,6 @@
     <p:extLst>
       <p:ext uri="{BB962C8B-B14F-4D97-AF65-F5344CB8AC3E}">
         <p14:creationId xmlns:p14="http://schemas.microsoft.com/office/powerpoint/2010/main" val="2417322938"/>
-      </p:ext>
-    </p:extLst>
-  </p:cSld>
-  <p:clrMapOvr>
-    <a:overrideClrMapping bg1="lt1" tx1="dk1" bg2="lt2" tx2="dk2" accent1="accent1" accent2="accent2" accent3="accent3" accent4="accent4" accent5="accent5" accent6="accent6" hlink="hlink" folHlink="folHlink"/>
-  </p:clrMapOvr>
-  <mc:AlternateContent xmlns:mc="http://schemas.openxmlformats.org/markup-compatibility/2006" xmlns:p15="http://schemas.microsoft.com/office/powerpoint/2012/main">
-    <mc:Choice Requires="p15">
-      <p:transition spd="slow">
-        <p15:prstTrans prst="fallOver"/>
-      </p:transition>
-    </mc:Choice>
-    <mc:Fallback xmlns="">
-      <p:transition spd="slow">
-        <p:fade/>
-      </p:transition>
-    </mc:Fallback>
-  </mc:AlternateContent>
-</p:sld>
-</file>
-
-<file path=ppt/slides/slide8.xml><?xml version="1.0" encoding="utf-8"?>
-<p:sld xmlns:a="http://schemas.openxmlformats.org/drawingml/2006/main" xmlns:r="http://schemas.openxmlformats.org/officeDocument/2006/relationships" xmlns:p="http://schemas.openxmlformats.org/presentationml/2006/main">
-  <p:cSld>
-    <p:bg>
-      <p:bgPr>
-        <a:solidFill>
-          <a:schemeClr val="bg1"/>
-        </a:solidFill>
-        <a:effectLst/>
-      </p:bgPr>
-    </p:bg>
-    <p:spTree>
-      <p:nvGrpSpPr>
-        <p:cNvPr id="1" name=""/>
-        <p:cNvGrpSpPr/>
-        <p:nvPr/>
-      </p:nvGrpSpPr>
-      <p:grpSpPr>
-        <a:xfrm>
-          <a:off x="0" y="0"/>
-          <a:ext cx="0" cy="0"/>
-          <a:chOff x="0" y="0"/>
-          <a:chExt cx="0" cy="0"/>
-        </a:xfrm>
-      </p:grpSpPr>
-      <p:pic>
-        <p:nvPicPr>
-          <p:cNvPr id="4" name="Imagem 3" descr="Uma imagem contendo malha, mesa, vermelha, coberta&#10;&#10;Descrição gerada automaticamente">
-            <a:extLst>
-              <a:ext uri="{FF2B5EF4-FFF2-40B4-BE49-F238E27FC236}">
-                <a16:creationId xmlns:a16="http://schemas.microsoft.com/office/drawing/2014/main" id="{5C002EE5-E4FF-463C-8DAA-9AC0B6D407FF}"/>
-              </a:ext>
-            </a:extLst>
-          </p:cNvPr>
-          <p:cNvPicPr>
-            <a:picLocks noChangeAspect="1"/>
-          </p:cNvPicPr>
-          <p:nvPr/>
-        </p:nvPicPr>
-        <p:blipFill rotWithShape="1">
-          <a:blip r:embed="rId2">
-            <a:extLst>
-              <a:ext uri="{28A0092B-C50C-407E-A947-70E740481C1C}">
-                <a14:useLocalDpi xmlns:a14="http://schemas.microsoft.com/office/drawing/2010/main" val="0"/>
-              </a:ext>
-            </a:extLst>
-          </a:blip>
-          <a:srcRect/>
-          <a:stretch/>
-        </p:blipFill>
-        <p:spPr>
-          <a:xfrm>
-            <a:off x="21" y="0"/>
-            <a:ext cx="12191979" cy="6857990"/>
-          </a:xfrm>
-          <a:prstGeom prst="rect">
-            <a:avLst/>
-          </a:prstGeom>
-        </p:spPr>
-      </p:pic>
-      <p:sp>
-        <p:nvSpPr>
-          <p:cNvPr id="29" name="Retângulo 22">
-            <a:extLst>
-              <a:ext uri="{FF2B5EF4-FFF2-40B4-BE49-F238E27FC236}">
-                <a16:creationId xmlns:a16="http://schemas.microsoft.com/office/drawing/2014/main" id="{F5380E9A-163E-4576-BCDD-0A450B7E9097}"/>
-              </a:ext>
-              <a:ext uri="{C183D7F6-B498-43B3-948B-1728B52AA6E4}">
-                <adec:decorative xmlns:adec="http://schemas.microsoft.com/office/drawing/2017/decorative" xmlns="" val="1"/>
-              </a:ext>
-            </a:extLst>
-          </p:cNvPr>
-          <p:cNvSpPr>
-            <a:spLocks noGrp="1" noRot="1" noChangeAspect="1" noMove="1" noResize="1" noEditPoints="1" noAdjustHandles="1" noChangeArrowheads="1" noChangeShapeType="1" noTextEdit="1"/>
-          </p:cNvSpPr>
-          <p:nvPr>
-            <p:extLst>
-              <p:ext uri="{386F3935-93C4-4BCD-93E2-E3B085C9AB24}">
-                <p16:designElem xmlns:p16="http://schemas.microsoft.com/office/powerpoint/2015/main" val="1"/>
-              </p:ext>
-            </p:extLst>
-          </p:nvPr>
-        </p:nvSpPr>
-        <p:spPr>
-          <a:xfrm>
-            <a:off x="4279943" y="237744"/>
-            <a:ext cx="7652977" cy="6382512"/>
-          </a:xfrm>
-          <a:prstGeom prst="rect">
-            <a:avLst/>
-          </a:prstGeom>
-          <a:solidFill>
-            <a:schemeClr val="bg1">
-              <a:alpha val="94000"/>
-            </a:schemeClr>
-          </a:solidFill>
-          <a:ln>
-            <a:noFill/>
-          </a:ln>
-        </p:spPr>
-        <p:style>
-          <a:lnRef idx="2">
-            <a:schemeClr val="accent1">
-              <a:shade val="50000"/>
-            </a:schemeClr>
-          </a:lnRef>
-          <a:fillRef idx="1">
-            <a:schemeClr val="accent1"/>
-          </a:fillRef>
-          <a:effectRef idx="0">
-            <a:schemeClr val="accent1"/>
-          </a:effectRef>
-          <a:fontRef idx="minor">
-            <a:schemeClr val="lt1"/>
-          </a:fontRef>
-        </p:style>
-      </p:sp>
-      <p:sp>
-        <p:nvSpPr>
-          <p:cNvPr id="30" name="Retângulo 24">
-            <a:extLst>
-              <a:ext uri="{FF2B5EF4-FFF2-40B4-BE49-F238E27FC236}">
-                <a16:creationId xmlns:a16="http://schemas.microsoft.com/office/drawing/2014/main" id="{88DDEF77-9746-4D83-91F9-442A2487E666}"/>
-              </a:ext>
-              <a:ext uri="{C183D7F6-B498-43B3-948B-1728B52AA6E4}">
-                <adec:decorative xmlns:adec="http://schemas.microsoft.com/office/drawing/2017/decorative" xmlns="" val="1"/>
-              </a:ext>
-            </a:extLst>
-          </p:cNvPr>
-          <p:cNvSpPr>
-            <a:spLocks noGrp="1" noRot="1" noChangeAspect="1" noMove="1" noResize="1" noEditPoints="1" noAdjustHandles="1" noChangeArrowheads="1" noChangeShapeType="1" noTextEdit="1"/>
-          </p:cNvSpPr>
-          <p:nvPr>
-            <p:extLst>
-              <p:ext uri="{386F3935-93C4-4BCD-93E2-E3B085C9AB24}">
-                <p16:designElem xmlns:p16="http://schemas.microsoft.com/office/powerpoint/2015/main" val="1"/>
-              </p:ext>
-            </p:extLst>
-          </p:nvPr>
-        </p:nvSpPr>
-        <p:spPr>
-          <a:xfrm>
-            <a:off x="4417103" y="374904"/>
-            <a:ext cx="7340156" cy="6108192"/>
-          </a:xfrm>
-          <a:prstGeom prst="rect">
-            <a:avLst/>
-          </a:prstGeom>
-          <a:noFill/>
-          <a:ln w="6350" cap="sq">
-            <a:solidFill>
-              <a:schemeClr val="tx1">
-                <a:lumMod val="65000"/>
-                <a:lumOff val="35000"/>
-              </a:schemeClr>
-            </a:solidFill>
-            <a:miter lim="800000"/>
-          </a:ln>
-        </p:spPr>
-        <p:style>
-          <a:lnRef idx="2">
-            <a:schemeClr val="accent1">
-              <a:shade val="50000"/>
-            </a:schemeClr>
-          </a:lnRef>
-          <a:fillRef idx="1">
-            <a:schemeClr val="accent1"/>
-          </a:fillRef>
-          <a:effectRef idx="0">
-            <a:schemeClr val="accent1"/>
-          </a:effectRef>
-          <a:fontRef idx="minor">
-            <a:schemeClr val="lt1"/>
-          </a:fontRef>
-        </p:style>
-      </p:sp>
-      <p:sp>
-        <p:nvSpPr>
-          <p:cNvPr id="2" name="Título 1">
-            <a:extLst>
-              <a:ext uri="{FF2B5EF4-FFF2-40B4-BE49-F238E27FC236}">
-                <a16:creationId xmlns:a16="http://schemas.microsoft.com/office/drawing/2014/main" id="{92C9295F-E638-4F61-AFE2-CF3E40556031}"/>
-              </a:ext>
-            </a:extLst>
-          </p:cNvPr>
-          <p:cNvSpPr>
-            <a:spLocks noGrp="1"/>
-          </p:cNvSpPr>
-          <p:nvPr>
-            <p:ph type="title"/>
-          </p:nvPr>
-        </p:nvSpPr>
-        <p:spPr>
-          <a:xfrm>
-            <a:off x="4455534" y="1760515"/>
-            <a:ext cx="6718433" cy="2534648"/>
-          </a:xfrm>
-        </p:spPr>
-        <p:txBody>
-          <a:bodyPr rtlCol="0">
-            <a:noAutofit/>
-          </a:bodyPr>
-          <a:lstStyle/>
-          <a:p>
-            <a:pPr rtl="0"/>
-            <a:r>
-              <a:rPr lang="pt-BR" sz="8000" dirty="0">
-                <a:solidFill>
-                  <a:schemeClr val="tx1">
-                    <a:lumMod val="75000"/>
-                    <a:lumOff val="25000"/>
-                  </a:schemeClr>
-                </a:solidFill>
-              </a:rPr>
-              <a:t>Desafio do projeto</a:t>
-            </a:r>
-            <a:endParaRPr lang="en-US" sz="8000" dirty="0">
-              <a:solidFill>
-                <a:schemeClr val="tx1">
-                  <a:lumMod val="75000"/>
-                  <a:lumOff val="25000"/>
-                </a:schemeClr>
-              </a:solidFill>
-            </a:endParaRPr>
-          </a:p>
-        </p:txBody>
-      </p:sp>
-    </p:spTree>
-    <p:extLst>
-      <p:ext uri="{BB962C8B-B14F-4D97-AF65-F5344CB8AC3E}">
-        <p14:creationId xmlns:p14="http://schemas.microsoft.com/office/powerpoint/2010/main" val="2268374304"/>
-      </p:ext>
-    </p:extLst>
-  </p:cSld>
-  <p:clrMapOvr>
-    <a:overrideClrMapping bg1="lt1" tx1="dk1" bg2="lt2" tx2="dk2" accent1="accent1" accent2="accent2" accent3="accent3" accent4="accent4" accent5="accent5" accent6="accent6" hlink="hlink" folHlink="folHlink"/>
-  </p:clrMapOvr>
-  <mc:AlternateContent xmlns:mc="http://schemas.openxmlformats.org/markup-compatibility/2006" xmlns:p15="http://schemas.microsoft.com/office/powerpoint/2012/main">
-    <mc:Choice Requires="p15">
-      <p:transition spd="slow">
-        <p15:prstTrans prst="fallOver"/>
-      </p:transition>
-    </mc:Choice>
-    <mc:Fallback xmlns="">
-      <p:transition spd="slow">
-        <p:fade/>
-      </p:transition>
-    </mc:Fallback>
-  </mc:AlternateContent>
-</p:sld>
-</file>
-
-<file path=ppt/slides/slide9.xml><?xml version="1.0" encoding="utf-8"?>
-<p:sld xmlns:a="http://schemas.openxmlformats.org/drawingml/2006/main" xmlns:r="http://schemas.openxmlformats.org/officeDocument/2006/relationships" xmlns:p="http://schemas.openxmlformats.org/presentationml/2006/main">
-  <p:cSld>
-    <p:bg>
-      <p:bgPr>
-        <a:solidFill>
-          <a:schemeClr val="bg1"/>
-        </a:solidFill>
-        <a:effectLst/>
-      </p:bgPr>
-    </p:bg>
-    <p:spTree>
-      <p:nvGrpSpPr>
-        <p:cNvPr id="1" name=""/>
-        <p:cNvGrpSpPr/>
-        <p:nvPr/>
-      </p:nvGrpSpPr>
-      <p:grpSpPr>
-        <a:xfrm>
-          <a:off x="0" y="0"/>
-          <a:ext cx="0" cy="0"/>
-          <a:chOff x="0" y="0"/>
-          <a:chExt cx="0" cy="0"/>
-        </a:xfrm>
-      </p:grpSpPr>
-      <p:pic>
-        <p:nvPicPr>
-          <p:cNvPr id="4" name="Imagem 3" descr="Uma imagem contendo malha, mesa, vermelha, coberta&#10;&#10;Descrição gerada automaticamente">
-            <a:extLst>
-              <a:ext uri="{FF2B5EF4-FFF2-40B4-BE49-F238E27FC236}">
-                <a16:creationId xmlns:a16="http://schemas.microsoft.com/office/drawing/2014/main" id="{5C002EE5-E4FF-463C-8DAA-9AC0B6D407FF}"/>
-              </a:ext>
-            </a:extLst>
-          </p:cNvPr>
-          <p:cNvPicPr>
-            <a:picLocks noChangeAspect="1"/>
-          </p:cNvPicPr>
-          <p:nvPr/>
-        </p:nvPicPr>
-        <p:blipFill rotWithShape="1">
-          <a:blip r:embed="rId2">
-            <a:extLst>
-              <a:ext uri="{28A0092B-C50C-407E-A947-70E740481C1C}">
-                <a14:useLocalDpi xmlns:a14="http://schemas.microsoft.com/office/drawing/2010/main" val="0"/>
-              </a:ext>
-            </a:extLst>
-          </a:blip>
-          <a:srcRect/>
-          <a:stretch/>
-        </p:blipFill>
-        <p:spPr>
-          <a:xfrm>
-            <a:off x="21" y="0"/>
-            <a:ext cx="12191979" cy="6857990"/>
-          </a:xfrm>
-          <a:prstGeom prst="rect">
-            <a:avLst/>
-          </a:prstGeom>
-        </p:spPr>
-      </p:pic>
-      <p:sp>
-        <p:nvSpPr>
-          <p:cNvPr id="29" name="Retângulo 22">
-            <a:extLst>
-              <a:ext uri="{FF2B5EF4-FFF2-40B4-BE49-F238E27FC236}">
-                <a16:creationId xmlns:a16="http://schemas.microsoft.com/office/drawing/2014/main" id="{F5380E9A-163E-4576-BCDD-0A450B7E9097}"/>
-              </a:ext>
-              <a:ext uri="{C183D7F6-B498-43B3-948B-1728B52AA6E4}">
-                <adec:decorative xmlns:adec="http://schemas.microsoft.com/office/drawing/2017/decorative" xmlns="" val="1"/>
-              </a:ext>
-            </a:extLst>
-          </p:cNvPr>
-          <p:cNvSpPr>
-            <a:spLocks noGrp="1" noRot="1" noChangeAspect="1" noMove="1" noResize="1" noEditPoints="1" noAdjustHandles="1" noChangeArrowheads="1" noChangeShapeType="1" noTextEdit="1"/>
-          </p:cNvSpPr>
-          <p:nvPr>
-            <p:extLst>
-              <p:ext uri="{386F3935-93C4-4BCD-93E2-E3B085C9AB24}">
-                <p16:designElem xmlns:p16="http://schemas.microsoft.com/office/powerpoint/2015/main" val="1"/>
-              </p:ext>
-            </p:extLst>
-          </p:nvPr>
-        </p:nvSpPr>
-        <p:spPr>
-          <a:xfrm>
-            <a:off x="4279943" y="237744"/>
-            <a:ext cx="7652977" cy="6382512"/>
-          </a:xfrm>
-          <a:prstGeom prst="rect">
-            <a:avLst/>
-          </a:prstGeom>
-          <a:solidFill>
-            <a:schemeClr val="bg1">
-              <a:alpha val="94000"/>
-            </a:schemeClr>
-          </a:solidFill>
-          <a:ln>
-            <a:noFill/>
-          </a:ln>
-        </p:spPr>
-        <p:style>
-          <a:lnRef idx="2">
-            <a:schemeClr val="accent1">
-              <a:shade val="50000"/>
-            </a:schemeClr>
-          </a:lnRef>
-          <a:fillRef idx="1">
-            <a:schemeClr val="accent1"/>
-          </a:fillRef>
-          <a:effectRef idx="0">
-            <a:schemeClr val="accent1"/>
-          </a:effectRef>
-          <a:fontRef idx="minor">
-            <a:schemeClr val="lt1"/>
-          </a:fontRef>
-        </p:style>
-      </p:sp>
-      <p:sp>
-        <p:nvSpPr>
-          <p:cNvPr id="30" name="Retângulo 24">
-            <a:extLst>
-              <a:ext uri="{FF2B5EF4-FFF2-40B4-BE49-F238E27FC236}">
-                <a16:creationId xmlns:a16="http://schemas.microsoft.com/office/drawing/2014/main" id="{88DDEF77-9746-4D83-91F9-442A2487E666}"/>
-              </a:ext>
-              <a:ext uri="{C183D7F6-B498-43B3-948B-1728B52AA6E4}">
-                <adec:decorative xmlns:adec="http://schemas.microsoft.com/office/drawing/2017/decorative" xmlns="" val="1"/>
-              </a:ext>
-            </a:extLst>
-          </p:cNvPr>
-          <p:cNvSpPr>
-            <a:spLocks noGrp="1" noRot="1" noChangeAspect="1" noMove="1" noResize="1" noEditPoints="1" noAdjustHandles="1" noChangeArrowheads="1" noChangeShapeType="1" noTextEdit="1"/>
-          </p:cNvSpPr>
-          <p:nvPr>
-            <p:extLst>
-              <p:ext uri="{386F3935-93C4-4BCD-93E2-E3B085C9AB24}">
-                <p16:designElem xmlns:p16="http://schemas.microsoft.com/office/powerpoint/2015/main" val="1"/>
-              </p:ext>
-            </p:extLst>
-          </p:nvPr>
-        </p:nvSpPr>
-        <p:spPr>
-          <a:xfrm>
-            <a:off x="4417103" y="374904"/>
-            <a:ext cx="7340156" cy="6108192"/>
-          </a:xfrm>
-          <a:prstGeom prst="rect">
-            <a:avLst/>
-          </a:prstGeom>
-          <a:noFill/>
-          <a:ln w="6350" cap="sq">
-            <a:solidFill>
-              <a:schemeClr val="tx1">
-                <a:lumMod val="65000"/>
-                <a:lumOff val="35000"/>
-              </a:schemeClr>
-            </a:solidFill>
-            <a:miter lim="800000"/>
-          </a:ln>
-        </p:spPr>
-        <p:style>
-          <a:lnRef idx="2">
-            <a:schemeClr val="accent1">
-              <a:shade val="50000"/>
-            </a:schemeClr>
-          </a:lnRef>
-          <a:fillRef idx="1">
-            <a:schemeClr val="accent1"/>
-          </a:fillRef>
-          <a:effectRef idx="0">
-            <a:schemeClr val="accent1"/>
-          </a:effectRef>
-          <a:fontRef idx="minor">
-            <a:schemeClr val="lt1"/>
-          </a:fontRef>
-        </p:style>
-      </p:sp>
-      <p:sp>
-        <p:nvSpPr>
-          <p:cNvPr id="2" name="Título 1">
-            <a:extLst>
-              <a:ext uri="{FF2B5EF4-FFF2-40B4-BE49-F238E27FC236}">
-                <a16:creationId xmlns:a16="http://schemas.microsoft.com/office/drawing/2014/main" id="{92C9295F-E638-4F61-AFE2-CF3E40556031}"/>
-              </a:ext>
-            </a:extLst>
-          </p:cNvPr>
-          <p:cNvSpPr>
-            <a:spLocks noGrp="1"/>
-          </p:cNvSpPr>
-          <p:nvPr>
-            <p:ph type="title"/>
-          </p:nvPr>
-        </p:nvSpPr>
-        <p:spPr>
-          <a:xfrm>
-            <a:off x="4417103" y="2212093"/>
-            <a:ext cx="6718433" cy="937803"/>
-          </a:xfrm>
-        </p:spPr>
-        <p:txBody>
-          <a:bodyPr rtlCol="0">
-            <a:normAutofit fontScale="90000"/>
-          </a:bodyPr>
-          <a:lstStyle/>
-          <a:p>
-            <a:pPr rtl="0"/>
-            <a:r>
-              <a:rPr lang="pt-BR" sz="8800" dirty="0">
-                <a:solidFill>
-                  <a:schemeClr val="tx1">
-                    <a:lumMod val="75000"/>
-                    <a:lumOff val="25000"/>
-                  </a:schemeClr>
-                </a:solidFill>
-              </a:rPr>
-              <a:t>Solução</a:t>
-            </a:r>
-            <a:r>
-              <a:rPr lang="pt-BR" dirty="0">
-                <a:solidFill>
-                  <a:schemeClr val="tx1">
-                    <a:lumMod val="75000"/>
-                    <a:lumOff val="25000"/>
-                  </a:schemeClr>
-                </a:solidFill>
-              </a:rPr>
-              <a:t> </a:t>
-            </a:r>
-            <a:endParaRPr lang="en-US" dirty="0">
-              <a:solidFill>
-                <a:schemeClr val="tx1">
-                  <a:lumMod val="75000"/>
-                  <a:lumOff val="25000"/>
-                </a:schemeClr>
-              </a:solidFill>
-            </a:endParaRPr>
-          </a:p>
-        </p:txBody>
-      </p:sp>
-    </p:spTree>
-    <p:extLst>
-      <p:ext uri="{BB962C8B-B14F-4D97-AF65-F5344CB8AC3E}">
-        <p14:creationId xmlns:p14="http://schemas.microsoft.com/office/powerpoint/2010/main" val="3874972918"/>
       </p:ext>
     </p:extLst>
   </p:cSld>
